--- a/Report/Báo cáo bài tập lớn.pptx
+++ b/Report/Báo cáo bài tập lớn.pptx
@@ -5,10 +5,10 @@
     <p:sldMasterId id="2147483658" r:id="rId1"/>
   </p:sldMasterIdLst>
   <p:notesMasterIdLst>
-    <p:notesMasterId r:id="rId28"/>
+    <p:notesMasterId r:id="rId27"/>
   </p:notesMasterIdLst>
   <p:handoutMasterIdLst>
-    <p:handoutMasterId r:id="rId29"/>
+    <p:handoutMasterId r:id="rId28"/>
   </p:handoutMasterIdLst>
   <p:sldIdLst>
     <p:sldId id="256" r:id="rId2"/>
@@ -31,12 +31,11 @@
     <p:sldId id="355" r:id="rId19"/>
     <p:sldId id="359" r:id="rId20"/>
     <p:sldId id="361" r:id="rId21"/>
-    <p:sldId id="362" r:id="rId22"/>
-    <p:sldId id="351" r:id="rId23"/>
-    <p:sldId id="353" r:id="rId24"/>
-    <p:sldId id="354" r:id="rId25"/>
-    <p:sldId id="352" r:id="rId26"/>
-    <p:sldId id="269" r:id="rId27"/>
+    <p:sldId id="351" r:id="rId22"/>
+    <p:sldId id="353" r:id="rId23"/>
+    <p:sldId id="354" r:id="rId24"/>
+    <p:sldId id="352" r:id="rId25"/>
+    <p:sldId id="269" r:id="rId26"/>
   </p:sldIdLst>
   <p:sldSz cx="9144000" cy="6858000" type="screen4x3"/>
   <p:notesSz cx="6858000" cy="9144000"/>
@@ -2835,10 +2834,10 @@
       </p:sp>
       <p:pic>
         <p:nvPicPr>
-          <p:cNvPr id="6" name="Picture 5" descr="Diagram&#10;&#10;Description automatically generated">
+          <p:cNvPr id="5" name="Picture 4" descr="Diagram&#10;&#10;Description automatically generated">
             <a:extLst>
               <a:ext uri="{FF2B5EF4-FFF2-40B4-BE49-F238E27FC236}">
-                <a16:creationId xmlns:a16="http://schemas.microsoft.com/office/drawing/2014/main" id="{CA008E8C-907C-23C5-8DD5-700BA7568350}"/>
+                <a16:creationId xmlns:a16="http://schemas.microsoft.com/office/drawing/2014/main" id="{34458AB7-AC26-7959-8D2C-15B56DB3237B}"/>
               </a:ext>
             </a:extLst>
           </p:cNvPr>
@@ -3036,10 +3035,10 @@
       </p:sp>
       <p:pic>
         <p:nvPicPr>
-          <p:cNvPr id="9" name="Picture 8" descr="Diagram&#10;&#10;Description automatically generated">
+          <p:cNvPr id="5" name="Picture 4" descr="Diagram&#10;&#10;Description automatically generated">
             <a:extLst>
               <a:ext uri="{FF2B5EF4-FFF2-40B4-BE49-F238E27FC236}">
-                <a16:creationId xmlns:a16="http://schemas.microsoft.com/office/drawing/2014/main" id="{28A6802A-5BE8-4F8B-E7D6-D0C1F026BF46}"/>
+                <a16:creationId xmlns:a16="http://schemas.microsoft.com/office/drawing/2014/main" id="{CF48BE08-83AE-8589-1A7D-FEE4B6BD6607}"/>
               </a:ext>
             </a:extLst>
           </p:cNvPr>
@@ -3062,8 +3061,8 @@
         </p:blipFill>
         <p:spPr>
           <a:xfrm>
-            <a:off x="0" y="-1"/>
-            <a:ext cx="9148271" cy="6858001"/>
+            <a:off x="0" y="0"/>
+            <a:ext cx="9144000" cy="6858000"/>
           </a:xfrm>
           <a:prstGeom prst="rect">
             <a:avLst/>
@@ -6045,6 +6044,296 @@
           </a:graphicData>
         </a:graphic>
       </p:graphicFrame>
+      <p:sp>
+        <p:nvSpPr>
+          <p:cNvPr id="5" name="TextBox 4">
+            <a:extLst>
+              <a:ext uri="{FF2B5EF4-FFF2-40B4-BE49-F238E27FC236}">
+                <a16:creationId xmlns:a16="http://schemas.microsoft.com/office/drawing/2014/main" id="{71CBD8D0-821B-C055-18FE-BE25A7DA76F9}"/>
+              </a:ext>
+            </a:extLst>
+          </p:cNvPr>
+          <p:cNvSpPr txBox="1"/>
+          <p:nvPr/>
+        </p:nvSpPr>
+        <p:spPr>
+          <a:xfrm>
+            <a:off x="366113" y="5704014"/>
+            <a:ext cx="8411774" cy="461665"/>
+          </a:xfrm>
+          <a:prstGeom prst="rect">
+            <a:avLst/>
+          </a:prstGeom>
+          <a:noFill/>
+        </p:spPr>
+        <p:txBody>
+          <a:bodyPr wrap="square">
+            <a:spAutoFit/>
+          </a:bodyPr>
+          <a:lstStyle/>
+          <a:p>
+            <a:r>
+              <a:rPr lang="en-US" sz="2400" dirty="0">
+                <a:latin typeface="Arial" panose="020B0604020202020204" pitchFamily="34" charset="0"/>
+                <a:cs typeface="Arial" panose="020B0604020202020204" pitchFamily="34" charset="0"/>
+              </a:rPr>
+              <a:t>* </a:t>
+            </a:r>
+            <a:r>
+              <a:rPr lang="en-US" sz="1600" i="1" dirty="0" err="1">
+                <a:latin typeface="Arial" panose="020B0604020202020204" pitchFamily="34" charset="0"/>
+                <a:cs typeface="Arial" panose="020B0604020202020204" pitchFamily="34" charset="0"/>
+              </a:rPr>
+              <a:t>Các</a:t>
+            </a:r>
+            <a:r>
+              <a:rPr lang="en-US" sz="1600" i="1" dirty="0">
+                <a:latin typeface="Arial" panose="020B0604020202020204" pitchFamily="34" charset="0"/>
+                <a:cs typeface="Arial" panose="020B0604020202020204" pitchFamily="34" charset="0"/>
+              </a:rPr>
+              <a:t> </a:t>
+            </a:r>
+            <a:r>
+              <a:rPr lang="en-US" sz="1600" i="1" dirty="0" err="1">
+                <a:latin typeface="Arial" panose="020B0604020202020204" pitchFamily="34" charset="0"/>
+                <a:cs typeface="Arial" panose="020B0604020202020204" pitchFamily="34" charset="0"/>
+              </a:rPr>
+              <a:t>thành</a:t>
+            </a:r>
+            <a:r>
+              <a:rPr lang="en-US" sz="1600" i="1" dirty="0">
+                <a:latin typeface="Arial" panose="020B0604020202020204" pitchFamily="34" charset="0"/>
+                <a:cs typeface="Arial" panose="020B0604020202020204" pitchFamily="34" charset="0"/>
+              </a:rPr>
+              <a:t> </a:t>
+            </a:r>
+            <a:r>
+              <a:rPr lang="en-US" sz="1600" i="1" dirty="0" err="1">
+                <a:latin typeface="Arial" panose="020B0604020202020204" pitchFamily="34" charset="0"/>
+                <a:cs typeface="Arial" panose="020B0604020202020204" pitchFamily="34" charset="0"/>
+              </a:rPr>
+              <a:t>viên</a:t>
+            </a:r>
+            <a:r>
+              <a:rPr lang="en-US" sz="1600" i="1" dirty="0">
+                <a:latin typeface="Arial" panose="020B0604020202020204" pitchFamily="34" charset="0"/>
+                <a:cs typeface="Arial" panose="020B0604020202020204" pitchFamily="34" charset="0"/>
+              </a:rPr>
+              <a:t> </a:t>
+            </a:r>
+            <a:r>
+              <a:rPr lang="en-US" sz="1600" i="1" dirty="0" err="1">
+                <a:latin typeface="Arial" panose="020B0604020202020204" pitchFamily="34" charset="0"/>
+                <a:cs typeface="Arial" panose="020B0604020202020204" pitchFamily="34" charset="0"/>
+              </a:rPr>
+              <a:t>có</a:t>
+            </a:r>
+            <a:r>
+              <a:rPr lang="en-US" sz="1600" i="1" dirty="0">
+                <a:latin typeface="Arial" panose="020B0604020202020204" pitchFamily="34" charset="0"/>
+                <a:cs typeface="Arial" panose="020B0604020202020204" pitchFamily="34" charset="0"/>
+              </a:rPr>
+              <a:t> </a:t>
+            </a:r>
+            <a:r>
+              <a:rPr lang="en-US" sz="1600" i="1" dirty="0" err="1">
+                <a:latin typeface="Arial" panose="020B0604020202020204" pitchFamily="34" charset="0"/>
+                <a:cs typeface="Arial" panose="020B0604020202020204" pitchFamily="34" charset="0"/>
+              </a:rPr>
+              <a:t>sự</a:t>
+            </a:r>
+            <a:r>
+              <a:rPr lang="en-US" sz="1600" i="1" dirty="0">
+                <a:latin typeface="Arial" panose="020B0604020202020204" pitchFamily="34" charset="0"/>
+                <a:cs typeface="Arial" panose="020B0604020202020204" pitchFamily="34" charset="0"/>
+              </a:rPr>
+              <a:t> </a:t>
+            </a:r>
+            <a:r>
+              <a:rPr lang="en-US" sz="1600" i="1" dirty="0" err="1">
+                <a:latin typeface="Arial" panose="020B0604020202020204" pitchFamily="34" charset="0"/>
+                <a:cs typeface="Arial" panose="020B0604020202020204" pitchFamily="34" charset="0"/>
+              </a:rPr>
+              <a:t>hỗ</a:t>
+            </a:r>
+            <a:r>
+              <a:rPr lang="en-US" sz="1600" i="1" dirty="0">
+                <a:latin typeface="Arial" panose="020B0604020202020204" pitchFamily="34" charset="0"/>
+                <a:cs typeface="Arial" panose="020B0604020202020204" pitchFamily="34" charset="0"/>
+              </a:rPr>
+              <a:t> </a:t>
+            </a:r>
+            <a:r>
+              <a:rPr lang="en-US" sz="1600" i="1" dirty="0" err="1">
+                <a:latin typeface="Arial" panose="020B0604020202020204" pitchFamily="34" charset="0"/>
+                <a:cs typeface="Arial" panose="020B0604020202020204" pitchFamily="34" charset="0"/>
+              </a:rPr>
+              <a:t>trợ</a:t>
+            </a:r>
+            <a:r>
+              <a:rPr lang="en-US" sz="1600" i="1" dirty="0">
+                <a:latin typeface="Arial" panose="020B0604020202020204" pitchFamily="34" charset="0"/>
+                <a:cs typeface="Arial" panose="020B0604020202020204" pitchFamily="34" charset="0"/>
+              </a:rPr>
+              <a:t>, </a:t>
+            </a:r>
+            <a:r>
+              <a:rPr lang="en-US" sz="1600" i="1" dirty="0" err="1">
+                <a:latin typeface="Arial" panose="020B0604020202020204" pitchFamily="34" charset="0"/>
+                <a:cs typeface="Arial" panose="020B0604020202020204" pitchFamily="34" charset="0"/>
+              </a:rPr>
+              <a:t>góp</a:t>
+            </a:r>
+            <a:r>
+              <a:rPr lang="en-US" sz="1600" i="1" dirty="0">
+                <a:latin typeface="Arial" panose="020B0604020202020204" pitchFamily="34" charset="0"/>
+                <a:cs typeface="Arial" panose="020B0604020202020204" pitchFamily="34" charset="0"/>
+              </a:rPr>
+              <a:t> ý </a:t>
+            </a:r>
+            <a:r>
+              <a:rPr lang="en-US" sz="1600" i="1" dirty="0" err="1">
+                <a:latin typeface="Arial" panose="020B0604020202020204" pitchFamily="34" charset="0"/>
+                <a:cs typeface="Arial" panose="020B0604020202020204" pitchFamily="34" charset="0"/>
+              </a:rPr>
+              <a:t>lẫn</a:t>
+            </a:r>
+            <a:r>
+              <a:rPr lang="en-US" sz="1600" i="1" dirty="0">
+                <a:latin typeface="Arial" panose="020B0604020202020204" pitchFamily="34" charset="0"/>
+                <a:cs typeface="Arial" panose="020B0604020202020204" pitchFamily="34" charset="0"/>
+              </a:rPr>
+              <a:t> </a:t>
+            </a:r>
+            <a:r>
+              <a:rPr lang="en-US" sz="1600" i="1" dirty="0" err="1">
+                <a:latin typeface="Arial" panose="020B0604020202020204" pitchFamily="34" charset="0"/>
+                <a:cs typeface="Arial" panose="020B0604020202020204" pitchFamily="34" charset="0"/>
+              </a:rPr>
+              <a:t>nhau</a:t>
+            </a:r>
+            <a:r>
+              <a:rPr lang="en-US" sz="1600" i="1" dirty="0">
+                <a:latin typeface="Arial" panose="020B0604020202020204" pitchFamily="34" charset="0"/>
+                <a:cs typeface="Arial" panose="020B0604020202020204" pitchFamily="34" charset="0"/>
+              </a:rPr>
+              <a:t> </a:t>
+            </a:r>
+            <a:r>
+              <a:rPr lang="en-US" sz="1600" i="1" dirty="0" err="1">
+                <a:latin typeface="Arial" panose="020B0604020202020204" pitchFamily="34" charset="0"/>
+                <a:cs typeface="Arial" panose="020B0604020202020204" pitchFamily="34" charset="0"/>
+              </a:rPr>
+              <a:t>trong</a:t>
+            </a:r>
+            <a:r>
+              <a:rPr lang="en-US" sz="1600" i="1" dirty="0">
+                <a:latin typeface="Arial" panose="020B0604020202020204" pitchFamily="34" charset="0"/>
+                <a:cs typeface="Arial" panose="020B0604020202020204" pitchFamily="34" charset="0"/>
+              </a:rPr>
+              <a:t> </a:t>
+            </a:r>
+            <a:r>
+              <a:rPr lang="en-US" sz="1600" i="1" dirty="0" err="1">
+                <a:latin typeface="Arial" panose="020B0604020202020204" pitchFamily="34" charset="0"/>
+                <a:cs typeface="Arial" panose="020B0604020202020204" pitchFamily="34" charset="0"/>
+              </a:rPr>
+              <a:t>quá</a:t>
+            </a:r>
+            <a:r>
+              <a:rPr lang="en-US" sz="1600" i="1" dirty="0">
+                <a:latin typeface="Arial" panose="020B0604020202020204" pitchFamily="34" charset="0"/>
+                <a:cs typeface="Arial" panose="020B0604020202020204" pitchFamily="34" charset="0"/>
+              </a:rPr>
+              <a:t> </a:t>
+            </a:r>
+            <a:r>
+              <a:rPr lang="en-US" sz="1600" i="1" dirty="0" err="1">
+                <a:latin typeface="Arial" panose="020B0604020202020204" pitchFamily="34" charset="0"/>
+                <a:cs typeface="Arial" panose="020B0604020202020204" pitchFamily="34" charset="0"/>
+              </a:rPr>
+              <a:t>trình</a:t>
+            </a:r>
+            <a:r>
+              <a:rPr lang="en-US" sz="1600" i="1" dirty="0">
+                <a:latin typeface="Arial" panose="020B0604020202020204" pitchFamily="34" charset="0"/>
+                <a:cs typeface="Arial" panose="020B0604020202020204" pitchFamily="34" charset="0"/>
+              </a:rPr>
+              <a:t> </a:t>
+            </a:r>
+            <a:r>
+              <a:rPr lang="en-US" sz="1600" i="1" dirty="0" err="1">
+                <a:latin typeface="Arial" panose="020B0604020202020204" pitchFamily="34" charset="0"/>
+                <a:cs typeface="Arial" panose="020B0604020202020204" pitchFamily="34" charset="0"/>
+              </a:rPr>
+              <a:t>hoàn</a:t>
+            </a:r>
+            <a:r>
+              <a:rPr lang="en-US" sz="1600" i="1" dirty="0">
+                <a:latin typeface="Arial" panose="020B0604020202020204" pitchFamily="34" charset="0"/>
+                <a:cs typeface="Arial" panose="020B0604020202020204" pitchFamily="34" charset="0"/>
+              </a:rPr>
+              <a:t> </a:t>
+            </a:r>
+            <a:r>
+              <a:rPr lang="en-US" sz="1600" i="1" dirty="0" err="1">
+                <a:latin typeface="Arial" panose="020B0604020202020204" pitchFamily="34" charset="0"/>
+                <a:cs typeface="Arial" panose="020B0604020202020204" pitchFamily="34" charset="0"/>
+              </a:rPr>
+              <a:t>thiện</a:t>
+            </a:r>
+            <a:r>
+              <a:rPr lang="en-US" sz="1600" i="1" dirty="0">
+                <a:latin typeface="Arial" panose="020B0604020202020204" pitchFamily="34" charset="0"/>
+                <a:cs typeface="Arial" panose="020B0604020202020204" pitchFamily="34" charset="0"/>
+              </a:rPr>
+              <a:t> </a:t>
+            </a:r>
+            <a:r>
+              <a:rPr lang="en-US" sz="1600" i="1" dirty="0" err="1">
+                <a:latin typeface="Arial" panose="020B0604020202020204" pitchFamily="34" charset="0"/>
+                <a:cs typeface="Arial" panose="020B0604020202020204" pitchFamily="34" charset="0"/>
+              </a:rPr>
+              <a:t>bài</a:t>
+            </a:r>
+            <a:r>
+              <a:rPr lang="en-US" sz="1600" i="1" dirty="0">
+                <a:latin typeface="Arial" panose="020B0604020202020204" pitchFamily="34" charset="0"/>
+                <a:cs typeface="Arial" panose="020B0604020202020204" pitchFamily="34" charset="0"/>
+              </a:rPr>
+              <a:t> </a:t>
+            </a:r>
+            <a:r>
+              <a:rPr lang="en-US" sz="1600" i="1" dirty="0" err="1">
+                <a:latin typeface="Arial" panose="020B0604020202020204" pitchFamily="34" charset="0"/>
+                <a:cs typeface="Arial" panose="020B0604020202020204" pitchFamily="34" charset="0"/>
+              </a:rPr>
+              <a:t>tập</a:t>
+            </a:r>
+            <a:r>
+              <a:rPr lang="en-US" sz="1600" i="1" dirty="0">
+                <a:latin typeface="Arial" panose="020B0604020202020204" pitchFamily="34" charset="0"/>
+                <a:cs typeface="Arial" panose="020B0604020202020204" pitchFamily="34" charset="0"/>
+              </a:rPr>
+              <a:t> </a:t>
+            </a:r>
+            <a:r>
+              <a:rPr lang="en-US" sz="1600" i="1" dirty="0" err="1">
+                <a:latin typeface="Arial" panose="020B0604020202020204" pitchFamily="34" charset="0"/>
+                <a:cs typeface="Arial" panose="020B0604020202020204" pitchFamily="34" charset="0"/>
+              </a:rPr>
+              <a:t>lớn</a:t>
+            </a:r>
+            <a:r>
+              <a:rPr lang="en-US" sz="1600" i="1" dirty="0">
+                <a:latin typeface="Arial" panose="020B0604020202020204" pitchFamily="34" charset="0"/>
+                <a:cs typeface="Arial" panose="020B0604020202020204" pitchFamily="34" charset="0"/>
+              </a:rPr>
+              <a:t>.</a:t>
+            </a:r>
+          </a:p>
+        </p:txBody>
+      </p:sp>
     </p:spTree>
     <p:extLst>
       <p:ext uri="{BB962C8B-B14F-4D97-AF65-F5344CB8AC3E}">
@@ -6318,468 +6607,6 @@
           <a:chExt cx="0" cy="0"/>
         </a:xfrm>
       </p:grpSpPr>
-      <p:pic>
-        <p:nvPicPr>
-          <p:cNvPr id="14" name="Picture 13">
-            <a:extLst>
-              <a:ext uri="{FF2B5EF4-FFF2-40B4-BE49-F238E27FC236}">
-                <a16:creationId xmlns:a16="http://schemas.microsoft.com/office/drawing/2014/main" id="{87AF3F7B-7032-288A-16CF-0C2E8C558187}"/>
-              </a:ext>
-            </a:extLst>
-          </p:cNvPr>
-          <p:cNvPicPr>
-            <a:picLocks noChangeAspect="1"/>
-          </p:cNvPicPr>
-          <p:nvPr/>
-        </p:nvPicPr>
-        <p:blipFill>
-          <a:blip r:embed="rId2"/>
-          <a:stretch>
-            <a:fillRect/>
-          </a:stretch>
-        </p:blipFill>
-        <p:spPr>
-          <a:xfrm>
-            <a:off x="762378" y="4061435"/>
-            <a:ext cx="4938188" cy="2286198"/>
-          </a:xfrm>
-          <a:prstGeom prst="rect">
-            <a:avLst/>
-          </a:prstGeom>
-        </p:spPr>
-      </p:pic>
-      <p:sp>
-        <p:nvSpPr>
-          <p:cNvPr id="2" name="Slide Number Placeholder 1">
-            <a:extLst>
-              <a:ext uri="{FF2B5EF4-FFF2-40B4-BE49-F238E27FC236}">
-                <a16:creationId xmlns:a16="http://schemas.microsoft.com/office/drawing/2014/main" id="{9E9CAB07-B0CD-4712-9734-2D3CBC72598C}"/>
-              </a:ext>
-            </a:extLst>
-          </p:cNvPr>
-          <p:cNvSpPr>
-            <a:spLocks noGrp="1"/>
-          </p:cNvSpPr>
-          <p:nvPr>
-            <p:ph type="sldNum" sz="quarter" idx="12"/>
-          </p:nvPr>
-        </p:nvSpPr>
-        <p:spPr/>
-        <p:txBody>
-          <a:bodyPr/>
-          <a:lstStyle/>
-          <a:p>
-            <a:fld id="{9EA0BE3B-158A-4EDF-80DC-E394A0D1600F}" type="slidenum">
-              <a:rPr lang="en-US" smtClean="0"/>
-              <a:pPr/>
-              <a:t>20</a:t>
-            </a:fld>
-            <a:endParaRPr lang="en-US" dirty="0"/>
-          </a:p>
-        </p:txBody>
-      </p:sp>
-      <p:sp>
-        <p:nvSpPr>
-          <p:cNvPr id="3" name="Title 2">
-            <a:extLst>
-              <a:ext uri="{FF2B5EF4-FFF2-40B4-BE49-F238E27FC236}">
-                <a16:creationId xmlns:a16="http://schemas.microsoft.com/office/drawing/2014/main" id="{F39C6F49-1887-4BE4-A583-FB79B8A22935}"/>
-              </a:ext>
-            </a:extLst>
-          </p:cNvPr>
-          <p:cNvSpPr>
-            <a:spLocks noGrp="1"/>
-          </p:cNvSpPr>
-          <p:nvPr>
-            <p:ph type="title"/>
-          </p:nvPr>
-        </p:nvSpPr>
-        <p:spPr/>
-        <p:txBody>
-          <a:bodyPr/>
-          <a:lstStyle/>
-          <a:p>
-            <a:r>
-              <a:rPr lang="en-US" sz="2400" dirty="0">
-                <a:latin typeface="Arial" panose="020B0604020202020204" pitchFamily="34" charset="0"/>
-                <a:cs typeface="Arial" panose="020B0604020202020204" pitchFamily="34" charset="0"/>
-              </a:rPr>
-              <a:t>Coherence</a:t>
-            </a:r>
-          </a:p>
-        </p:txBody>
-      </p:sp>
-      <p:sp>
-        <p:nvSpPr>
-          <p:cNvPr id="7" name="TextBox 6">
-            <a:extLst>
-              <a:ext uri="{FF2B5EF4-FFF2-40B4-BE49-F238E27FC236}">
-                <a16:creationId xmlns:a16="http://schemas.microsoft.com/office/drawing/2014/main" id="{492EABD8-A5D8-3761-0C81-7631665C4BDD}"/>
-              </a:ext>
-            </a:extLst>
-          </p:cNvPr>
-          <p:cNvSpPr txBox="1"/>
-          <p:nvPr/>
-        </p:nvSpPr>
-        <p:spPr>
-          <a:xfrm>
-            <a:off x="5813135" y="809864"/>
-            <a:ext cx="2568487" cy="1938992"/>
-          </a:xfrm>
-          <a:prstGeom prst="rect">
-            <a:avLst/>
-          </a:prstGeom>
-          <a:noFill/>
-        </p:spPr>
-        <p:txBody>
-          <a:bodyPr wrap="square">
-            <a:spAutoFit/>
-          </a:bodyPr>
-          <a:lstStyle/>
-          <a:p>
-            <a:r>
-              <a:rPr lang="en-US" sz="2400" b="1" dirty="0">
-                <a:solidFill>
-                  <a:schemeClr val="accent1"/>
-                </a:solidFill>
-                <a:latin typeface="Arial" panose="020B0604020202020204" pitchFamily="34" charset="0"/>
-                <a:cs typeface="Arial" panose="020B0604020202020204" pitchFamily="34" charset="0"/>
-              </a:rPr>
-              <a:t>Communication cohesion, </a:t>
-            </a:r>
-            <a:r>
-              <a:rPr lang="en-US" sz="2400" b="1" dirty="0" err="1">
-                <a:solidFill>
-                  <a:schemeClr val="accent1"/>
-                </a:solidFill>
-                <a:latin typeface="Arial" panose="020B0604020202020204" pitchFamily="34" charset="0"/>
-                <a:cs typeface="Arial" panose="020B0604020202020204" pitchFamily="34" charset="0"/>
-              </a:rPr>
-              <a:t>cùng</a:t>
-            </a:r>
-            <a:r>
-              <a:rPr lang="en-US" sz="2400" b="1" dirty="0">
-                <a:solidFill>
-                  <a:schemeClr val="accent1"/>
-                </a:solidFill>
-                <a:latin typeface="Arial" panose="020B0604020202020204" pitchFamily="34" charset="0"/>
-                <a:cs typeface="Arial" panose="020B0604020202020204" pitchFamily="34" charset="0"/>
-              </a:rPr>
-              <a:t> </a:t>
-            </a:r>
-            <a:r>
-              <a:rPr lang="en-US" sz="2400" b="1" dirty="0" err="1">
-                <a:solidFill>
-                  <a:schemeClr val="accent1"/>
-                </a:solidFill>
-                <a:latin typeface="Arial" panose="020B0604020202020204" pitchFamily="34" charset="0"/>
-                <a:cs typeface="Arial" panose="020B0604020202020204" pitchFamily="34" charset="0"/>
-              </a:rPr>
-              <a:t>hoạt</a:t>
-            </a:r>
-            <a:r>
-              <a:rPr lang="en-US" sz="2400" b="1" dirty="0">
-                <a:solidFill>
-                  <a:schemeClr val="accent1"/>
-                </a:solidFill>
-                <a:latin typeface="Arial" panose="020B0604020202020204" pitchFamily="34" charset="0"/>
-                <a:cs typeface="Arial" panose="020B0604020202020204" pitchFamily="34" charset="0"/>
-              </a:rPr>
-              <a:t> </a:t>
-            </a:r>
-            <a:r>
-              <a:rPr lang="en-US" sz="2400" b="1" dirty="0" err="1">
-                <a:solidFill>
-                  <a:schemeClr val="accent1"/>
-                </a:solidFill>
-                <a:latin typeface="Arial" panose="020B0604020202020204" pitchFamily="34" charset="0"/>
-                <a:cs typeface="Arial" panose="020B0604020202020204" pitchFamily="34" charset="0"/>
-              </a:rPr>
-              <a:t>động</a:t>
-            </a:r>
-            <a:r>
-              <a:rPr lang="en-US" sz="2400" b="1" dirty="0">
-                <a:solidFill>
-                  <a:schemeClr val="accent1"/>
-                </a:solidFill>
-                <a:latin typeface="Arial" panose="020B0604020202020204" pitchFamily="34" charset="0"/>
-                <a:cs typeface="Arial" panose="020B0604020202020204" pitchFamily="34" charset="0"/>
-              </a:rPr>
-              <a:t> </a:t>
-            </a:r>
-            <a:r>
-              <a:rPr lang="en-US" sz="2400" b="1" dirty="0" err="1">
-                <a:solidFill>
-                  <a:schemeClr val="accent1"/>
-                </a:solidFill>
-                <a:latin typeface="Arial" panose="020B0604020202020204" pitchFamily="34" charset="0"/>
-                <a:cs typeface="Arial" panose="020B0604020202020204" pitchFamily="34" charset="0"/>
-              </a:rPr>
-              <a:t>với</a:t>
-            </a:r>
-            <a:r>
-              <a:rPr lang="en-US" sz="2400" b="1" dirty="0">
-                <a:solidFill>
-                  <a:schemeClr val="accent1"/>
-                </a:solidFill>
-                <a:latin typeface="Arial" panose="020B0604020202020204" pitchFamily="34" charset="0"/>
-                <a:cs typeface="Arial" panose="020B0604020202020204" pitchFamily="34" charset="0"/>
-              </a:rPr>
-              <a:t> </a:t>
-            </a:r>
-            <a:r>
-              <a:rPr lang="en-US" sz="2400" b="1" dirty="0" err="1">
-                <a:solidFill>
-                  <a:schemeClr val="accent1"/>
-                </a:solidFill>
-                <a:latin typeface="Arial" panose="020B0604020202020204" pitchFamily="34" charset="0"/>
-                <a:cs typeface="Arial" panose="020B0604020202020204" pitchFamily="34" charset="0"/>
-              </a:rPr>
-              <a:t>đầu</a:t>
-            </a:r>
-            <a:r>
-              <a:rPr lang="en-US" sz="2400" b="1" dirty="0">
-                <a:solidFill>
-                  <a:schemeClr val="accent1"/>
-                </a:solidFill>
-                <a:latin typeface="Arial" panose="020B0604020202020204" pitchFamily="34" charset="0"/>
-                <a:cs typeface="Arial" panose="020B0604020202020204" pitchFamily="34" charset="0"/>
-              </a:rPr>
-              <a:t> </a:t>
-            </a:r>
-            <a:r>
-              <a:rPr lang="en-US" sz="2400" b="1" dirty="0" err="1">
-                <a:solidFill>
-                  <a:schemeClr val="accent1"/>
-                </a:solidFill>
-                <a:latin typeface="Arial" panose="020B0604020202020204" pitchFamily="34" charset="0"/>
-                <a:cs typeface="Arial" panose="020B0604020202020204" pitchFamily="34" charset="0"/>
-              </a:rPr>
-              <a:t>vào</a:t>
-            </a:r>
-            <a:r>
-              <a:rPr lang="en-US" sz="2400" b="1" dirty="0">
-                <a:solidFill>
-                  <a:schemeClr val="accent1"/>
-                </a:solidFill>
-                <a:latin typeface="Arial" panose="020B0604020202020204" pitchFamily="34" charset="0"/>
-                <a:cs typeface="Arial" panose="020B0604020202020204" pitchFamily="34" charset="0"/>
-              </a:rPr>
-              <a:t> </a:t>
-            </a:r>
-            <a:r>
-              <a:rPr lang="en-US" sz="2400" b="1" dirty="0" err="1">
-                <a:solidFill>
-                  <a:schemeClr val="accent1"/>
-                </a:solidFill>
-                <a:latin typeface="Arial" panose="020B0604020202020204" pitchFamily="34" charset="0"/>
-                <a:cs typeface="Arial" panose="020B0604020202020204" pitchFamily="34" charset="0"/>
-              </a:rPr>
-              <a:t>là</a:t>
-            </a:r>
-            <a:r>
-              <a:rPr lang="en-US" sz="2400" b="1" dirty="0">
-                <a:solidFill>
-                  <a:schemeClr val="accent1"/>
-                </a:solidFill>
-                <a:latin typeface="Arial" panose="020B0604020202020204" pitchFamily="34" charset="0"/>
-                <a:cs typeface="Arial" panose="020B0604020202020204" pitchFamily="34" charset="0"/>
-              </a:rPr>
-              <a:t> ID </a:t>
-            </a:r>
-            <a:r>
-              <a:rPr lang="en-US" sz="2400" b="1" dirty="0" err="1">
-                <a:solidFill>
-                  <a:schemeClr val="accent1"/>
-                </a:solidFill>
-                <a:latin typeface="Arial" panose="020B0604020202020204" pitchFamily="34" charset="0"/>
-                <a:cs typeface="Arial" panose="020B0604020202020204" pitchFamily="34" charset="0"/>
-              </a:rPr>
-              <a:t>của</a:t>
-            </a:r>
-            <a:r>
-              <a:rPr lang="en-US" sz="2400" b="1" dirty="0">
-                <a:solidFill>
-                  <a:schemeClr val="accent1"/>
-                </a:solidFill>
-                <a:latin typeface="Arial" panose="020B0604020202020204" pitchFamily="34" charset="0"/>
-                <a:cs typeface="Arial" panose="020B0604020202020204" pitchFamily="34" charset="0"/>
-              </a:rPr>
-              <a:t> </a:t>
-            </a:r>
-            <a:r>
-              <a:rPr lang="en-US" sz="2400" b="1" dirty="0" err="1">
-                <a:solidFill>
-                  <a:schemeClr val="accent1"/>
-                </a:solidFill>
-                <a:latin typeface="Arial" panose="020B0604020202020204" pitchFamily="34" charset="0"/>
-                <a:cs typeface="Arial" panose="020B0604020202020204" pitchFamily="34" charset="0"/>
-              </a:rPr>
-              <a:t>xe</a:t>
-            </a:r>
-            <a:endParaRPr lang="en-US" sz="2400" b="1" dirty="0">
-              <a:solidFill>
-                <a:schemeClr val="accent1"/>
-              </a:solidFill>
-              <a:latin typeface="Arial" panose="020B0604020202020204" pitchFamily="34" charset="0"/>
-              <a:cs typeface="Arial" panose="020B0604020202020204" pitchFamily="34" charset="0"/>
-            </a:endParaRPr>
-          </a:p>
-        </p:txBody>
-      </p:sp>
-      <p:pic>
-        <p:nvPicPr>
-          <p:cNvPr id="6" name="Picture 5">
-            <a:extLst>
-              <a:ext uri="{FF2B5EF4-FFF2-40B4-BE49-F238E27FC236}">
-                <a16:creationId xmlns:a16="http://schemas.microsoft.com/office/drawing/2014/main" id="{8997EB6D-F291-3CA8-16EC-28DC49BFFDDC}"/>
-              </a:ext>
-            </a:extLst>
-          </p:cNvPr>
-          <p:cNvPicPr>
-            <a:picLocks noChangeAspect="1"/>
-          </p:cNvPicPr>
-          <p:nvPr/>
-        </p:nvPicPr>
-        <p:blipFill>
-          <a:blip r:embed="rId3"/>
-          <a:stretch>
-            <a:fillRect/>
-          </a:stretch>
-        </p:blipFill>
-        <p:spPr>
-          <a:xfrm>
-            <a:off x="762378" y="809864"/>
-            <a:ext cx="4587638" cy="2972058"/>
-          </a:xfrm>
-          <a:prstGeom prst="rect">
-            <a:avLst/>
-          </a:prstGeom>
-        </p:spPr>
-      </p:pic>
-      <p:sp>
-        <p:nvSpPr>
-          <p:cNvPr id="12" name="Oval 11">
-            <a:extLst>
-              <a:ext uri="{FF2B5EF4-FFF2-40B4-BE49-F238E27FC236}">
-                <a16:creationId xmlns:a16="http://schemas.microsoft.com/office/drawing/2014/main" id="{017C2F49-4AF1-3B15-9480-24BD1014F903}"/>
-              </a:ext>
-            </a:extLst>
-          </p:cNvPr>
-          <p:cNvSpPr/>
-          <p:nvPr/>
-        </p:nvSpPr>
-        <p:spPr>
-          <a:xfrm>
-            <a:off x="1624613" y="4281505"/>
-            <a:ext cx="2681057" cy="2286198"/>
-          </a:xfrm>
-          <a:prstGeom prst="ellipse">
-            <a:avLst/>
-          </a:prstGeom>
-          <a:noFill/>
-          <a:ln w="19050">
-            <a:solidFill>
-              <a:schemeClr val="accent1"/>
-            </a:solidFill>
-          </a:ln>
-        </p:spPr>
-        <p:style>
-          <a:lnRef idx="2">
-            <a:schemeClr val="accent1">
-              <a:shade val="50000"/>
-            </a:schemeClr>
-          </a:lnRef>
-          <a:fillRef idx="1">
-            <a:schemeClr val="accent1"/>
-          </a:fillRef>
-          <a:effectRef idx="0">
-            <a:schemeClr val="accent1"/>
-          </a:effectRef>
-          <a:fontRef idx="minor">
-            <a:schemeClr val="lt1"/>
-          </a:fontRef>
-        </p:style>
-        <p:txBody>
-          <a:bodyPr rtlCol="0" anchor="ctr"/>
-          <a:lstStyle/>
-          <a:p>
-            <a:pPr algn="ctr"/>
-            <a:endParaRPr lang="en-US"/>
-          </a:p>
-        </p:txBody>
-      </p:sp>
-      <p:sp>
-        <p:nvSpPr>
-          <p:cNvPr id="15" name="TextBox 14">
-            <a:extLst>
-              <a:ext uri="{FF2B5EF4-FFF2-40B4-BE49-F238E27FC236}">
-                <a16:creationId xmlns:a16="http://schemas.microsoft.com/office/drawing/2014/main" id="{D1BF0289-F309-634F-9E47-358EE873AD09}"/>
-              </a:ext>
-            </a:extLst>
-          </p:cNvPr>
-          <p:cNvSpPr txBox="1"/>
-          <p:nvPr/>
-        </p:nvSpPr>
-        <p:spPr>
-          <a:xfrm>
-            <a:off x="5813134" y="3954038"/>
-            <a:ext cx="2568487" cy="830997"/>
-          </a:xfrm>
-          <a:prstGeom prst="rect">
-            <a:avLst/>
-          </a:prstGeom>
-          <a:noFill/>
-        </p:spPr>
-        <p:txBody>
-          <a:bodyPr wrap="square">
-            <a:spAutoFit/>
-          </a:bodyPr>
-          <a:lstStyle/>
-          <a:p>
-            <a:r>
-              <a:rPr lang="en-US" sz="2400" b="1" dirty="0">
-                <a:solidFill>
-                  <a:schemeClr val="accent1"/>
-                </a:solidFill>
-                <a:latin typeface="Arial" panose="020B0604020202020204" pitchFamily="34" charset="0"/>
-                <a:cs typeface="Arial" panose="020B0604020202020204" pitchFamily="34" charset="0"/>
-              </a:rPr>
-              <a:t>Sequential Cohesion</a:t>
-            </a:r>
-          </a:p>
-        </p:txBody>
-      </p:sp>
-    </p:spTree>
-    <p:extLst>
-      <p:ext uri="{BB962C8B-B14F-4D97-AF65-F5344CB8AC3E}">
-        <p14:creationId xmlns:p14="http://schemas.microsoft.com/office/powerpoint/2010/main" val="4224429122"/>
-      </p:ext>
-    </p:extLst>
-  </p:cSld>
-  <p:clrMapOvr>
-    <a:masterClrMapping/>
-  </p:clrMapOvr>
-</p:sld>
-</file>
-
-<file path=ppt/slides/slide22.xml><?xml version="1.0" encoding="utf-8"?>
-<p:sld xmlns:a="http://schemas.openxmlformats.org/drawingml/2006/main" xmlns:r="http://schemas.openxmlformats.org/officeDocument/2006/relationships" xmlns:p="http://schemas.openxmlformats.org/presentationml/2006/main">
-  <p:cSld>
-    <p:spTree>
-      <p:nvGrpSpPr>
-        <p:cNvPr id="1" name=""/>
-        <p:cNvGrpSpPr/>
-        <p:nvPr/>
-      </p:nvGrpSpPr>
-      <p:grpSpPr>
-        <a:xfrm>
-          <a:off x="0" y="0"/>
-          <a:ext cx="0" cy="0"/>
-          <a:chOff x="0" y="0"/>
-          <a:chExt cx="0" cy="0"/>
-        </a:xfrm>
-      </p:grpSpPr>
       <p:sp>
         <p:nvSpPr>
           <p:cNvPr id="2" name="Title 1">
@@ -7223,7 +7050,7 @@
             <a:fld id="{9EA0BE3B-158A-4EDF-80DC-E394A0D1600F}" type="slidenum">
               <a:rPr lang="en-US" smtClean="0"/>
               <a:pPr/>
-              <a:t>21</a:t>
+              <a:t>20</a:t>
             </a:fld>
             <a:endParaRPr lang="en-US" dirty="0"/>
           </a:p>
@@ -7242,7 +7069,7 @@
 </p:sld>
 </file>
 
-<file path=ppt/slides/slide23.xml><?xml version="1.0" encoding="utf-8"?>
+<file path=ppt/slides/slide22.xml><?xml version="1.0" encoding="utf-8"?>
 <p:sld xmlns:a="http://schemas.openxmlformats.org/drawingml/2006/main" xmlns:r="http://schemas.openxmlformats.org/officeDocument/2006/relationships" xmlns:p="http://schemas.openxmlformats.org/presentationml/2006/main">
   <p:cSld>
     <p:spTree>
@@ -7283,7 +7110,7 @@
             <a:fld id="{9EA0BE3B-158A-4EDF-80DC-E394A0D1600F}" type="slidenum">
               <a:rPr lang="en-US" smtClean="0"/>
               <a:pPr/>
-              <a:t>22</a:t>
+              <a:t>21</a:t>
             </a:fld>
             <a:endParaRPr lang="en-US" dirty="0"/>
           </a:p>
@@ -7389,7 +7216,7 @@
 </p:sld>
 </file>
 
-<file path=ppt/slides/slide24.xml><?xml version="1.0" encoding="utf-8"?>
+<file path=ppt/slides/slide23.xml><?xml version="1.0" encoding="utf-8"?>
 <p:sld xmlns:a="http://schemas.openxmlformats.org/drawingml/2006/main" xmlns:r="http://schemas.openxmlformats.org/officeDocument/2006/relationships" xmlns:p="http://schemas.openxmlformats.org/presentationml/2006/main">
   <p:cSld>
     <p:spTree>
@@ -7460,7 +7287,7 @@
             <a:fld id="{9EA0BE3B-158A-4EDF-80DC-E394A0D1600F}" type="slidenum">
               <a:rPr lang="en-US" smtClean="0"/>
               <a:pPr/>
-              <a:t>23</a:t>
+              <a:t>22</a:t>
             </a:fld>
             <a:endParaRPr lang="en-US" dirty="0"/>
           </a:p>
@@ -8451,7 +8278,7 @@
 </p:sld>
 </file>
 
-<file path=ppt/slides/slide25.xml><?xml version="1.0" encoding="utf-8"?>
+<file path=ppt/slides/slide24.xml><?xml version="1.0" encoding="utf-8"?>
 <p:sld xmlns:a="http://schemas.openxmlformats.org/drawingml/2006/main" xmlns:r="http://schemas.openxmlformats.org/officeDocument/2006/relationships" xmlns:p="http://schemas.openxmlformats.org/presentationml/2006/main">
   <p:cSld>
     <p:spTree>
@@ -8946,7 +8773,7 @@
             <a:fld id="{9EA0BE3B-158A-4EDF-80DC-E394A0D1600F}" type="slidenum">
               <a:rPr lang="en-US" smtClean="0"/>
               <a:pPr/>
-              <a:t>24</a:t>
+              <a:t>23</a:t>
             </a:fld>
             <a:endParaRPr lang="en-US" dirty="0"/>
           </a:p>
@@ -8965,7 +8792,7 @@
 </p:sld>
 </file>
 
-<file path=ppt/slides/slide26.xml><?xml version="1.0" encoding="utf-8"?>
+<file path=ppt/slides/slide25.xml><?xml version="1.0" encoding="utf-8"?>
 <p:sld xmlns:a="http://schemas.openxmlformats.org/drawingml/2006/main" xmlns:r="http://schemas.openxmlformats.org/officeDocument/2006/relationships" xmlns:p="http://schemas.openxmlformats.org/presentationml/2006/main">
   <p:cSld>
     <p:spTree>

--- a/Report/Báo cáo bài tập lớn.pptx
+++ b/Report/Báo cáo bài tập lớn.pptx
@@ -5508,10 +5508,10 @@
       </p:sp>
       <p:pic>
         <p:nvPicPr>
-          <p:cNvPr id="6" name="Picture 5" descr="Diagram&#10;&#10;Description automatically generated">
+          <p:cNvPr id="8" name="Picture 7" descr="Diagram&#10;&#10;Description automatically generated">
             <a:extLst>
               <a:ext uri="{FF2B5EF4-FFF2-40B4-BE49-F238E27FC236}">
-                <a16:creationId xmlns:a16="http://schemas.microsoft.com/office/drawing/2014/main" id="{2160E1A2-8AE8-6489-DF7F-B17A64B6E851}"/>
+                <a16:creationId xmlns:a16="http://schemas.microsoft.com/office/drawing/2014/main" id="{B1834B7F-13F8-EE76-7AC3-2D2BF70EB398}"/>
               </a:ext>
             </a:extLst>
           </p:cNvPr>

--- a/Report/Báo cáo bài tập lớn.pptx
+++ b/Report/Báo cáo bài tập lớn.pptx
@@ -5,10 +5,10 @@
     <p:sldMasterId id="2147483658" r:id="rId1"/>
   </p:sldMasterIdLst>
   <p:notesMasterIdLst>
-    <p:notesMasterId r:id="rId27"/>
+    <p:notesMasterId r:id="rId31"/>
   </p:notesMasterIdLst>
   <p:handoutMasterIdLst>
-    <p:handoutMasterId r:id="rId28"/>
+    <p:handoutMasterId r:id="rId32"/>
   </p:handoutMasterIdLst>
   <p:sldIdLst>
     <p:sldId id="256" r:id="rId2"/>
@@ -31,11 +31,15 @@
     <p:sldId id="355" r:id="rId19"/>
     <p:sldId id="359" r:id="rId20"/>
     <p:sldId id="361" r:id="rId21"/>
-    <p:sldId id="351" r:id="rId22"/>
-    <p:sldId id="353" r:id="rId23"/>
-    <p:sldId id="354" r:id="rId24"/>
-    <p:sldId id="352" r:id="rId25"/>
-    <p:sldId id="269" r:id="rId26"/>
+    <p:sldId id="362" r:id="rId22"/>
+    <p:sldId id="364" r:id="rId23"/>
+    <p:sldId id="365" r:id="rId24"/>
+    <p:sldId id="366" r:id="rId25"/>
+    <p:sldId id="351" r:id="rId26"/>
+    <p:sldId id="353" r:id="rId27"/>
+    <p:sldId id="354" r:id="rId28"/>
+    <p:sldId id="352" r:id="rId29"/>
+    <p:sldId id="269" r:id="rId30"/>
   </p:sldIdLst>
   <p:sldSz cx="9144000" cy="6858000" type="screen4x3"/>
   <p:notesSz cx="6858000" cy="9144000"/>
@@ -4620,16 +4624,15 @@
           </p:cNvPicPr>
           <p:nvPr/>
         </p:nvPicPr>
-        <p:blipFill>
+        <p:blipFill rotWithShape="1">
           <a:blip r:embed="rId4"/>
-          <a:stretch>
-            <a:fillRect/>
-          </a:stretch>
+          <a:srcRect b="17325"/>
+          <a:stretch/>
         </p:blipFill>
         <p:spPr>
           <a:xfrm>
-            <a:off x="79064" y="830002"/>
-            <a:ext cx="8985871" cy="2357081"/>
+            <a:off x="79064" y="1125647"/>
+            <a:ext cx="8985871" cy="1948709"/>
           </a:xfrm>
           <a:prstGeom prst="rect">
             <a:avLst/>
@@ -5666,7 +5669,7 @@
           <p:nvPr>
             <p:extLst>
               <p:ext uri="{D42A27DB-BD31-4B8C-83A1-F6EECF244321}">
-                <p14:modId xmlns:p14="http://schemas.microsoft.com/office/powerpoint/2010/main" val="2232288460"/>
+                <p14:modId xmlns:p14="http://schemas.microsoft.com/office/powerpoint/2010/main" val="2283017702"/>
               </p:ext>
             </p:extLst>
           </p:nvPr>
@@ -5856,10 +5859,174 @@
                     <a:bodyPr/>
                     <a:lstStyle/>
                     <a:p>
-                      <a:endParaRPr lang="en-US">
-                        <a:latin typeface="Arial" panose="020B0604020202020204" pitchFamily="34" charset="0"/>
-                        <a:cs typeface="Arial" panose="020B0604020202020204" pitchFamily="34" charset="0"/>
-                      </a:endParaRPr>
+                      <a:r>
+                        <a:rPr lang="en-US" dirty="0" err="1">
+                          <a:latin typeface="Arial" panose="020B0604020202020204" pitchFamily="34" charset="0"/>
+                          <a:cs typeface="Arial" panose="020B0604020202020204" pitchFamily="34" charset="0"/>
+                        </a:rPr>
+                        <a:t>Thiết</a:t>
+                      </a:r>
+                      <a:r>
+                        <a:rPr lang="en-US" dirty="0">
+                          <a:latin typeface="Arial" panose="020B0604020202020204" pitchFamily="34" charset="0"/>
+                          <a:cs typeface="Arial" panose="020B0604020202020204" pitchFamily="34" charset="0"/>
+                        </a:rPr>
+                        <a:t> </a:t>
+                      </a:r>
+                      <a:r>
+                        <a:rPr lang="en-US" dirty="0" err="1">
+                          <a:latin typeface="Arial" panose="020B0604020202020204" pitchFamily="34" charset="0"/>
+                          <a:cs typeface="Arial" panose="020B0604020202020204" pitchFamily="34" charset="0"/>
+                        </a:rPr>
+                        <a:t>kế</a:t>
+                      </a:r>
+                      <a:r>
+                        <a:rPr lang="en-US" dirty="0">
+                          <a:latin typeface="Arial" panose="020B0604020202020204" pitchFamily="34" charset="0"/>
+                          <a:cs typeface="Arial" panose="020B0604020202020204" pitchFamily="34" charset="0"/>
+                        </a:rPr>
+                        <a:t> </a:t>
+                      </a:r>
+                      <a:r>
+                        <a:rPr lang="en-US" dirty="0" err="1">
+                          <a:latin typeface="Arial" panose="020B0604020202020204" pitchFamily="34" charset="0"/>
+                          <a:cs typeface="Arial" panose="020B0604020202020204" pitchFamily="34" charset="0"/>
+                        </a:rPr>
+                        <a:t>hệ</a:t>
+                      </a:r>
+                      <a:r>
+                        <a:rPr lang="en-US" dirty="0">
+                          <a:latin typeface="Arial" panose="020B0604020202020204" pitchFamily="34" charset="0"/>
+                          <a:cs typeface="Arial" panose="020B0604020202020204" pitchFamily="34" charset="0"/>
+                        </a:rPr>
+                        <a:t> </a:t>
+                      </a:r>
+                      <a:r>
+                        <a:rPr lang="en-US" dirty="0" err="1">
+                          <a:latin typeface="Arial" panose="020B0604020202020204" pitchFamily="34" charset="0"/>
+                          <a:cs typeface="Arial" panose="020B0604020202020204" pitchFamily="34" charset="0"/>
+                        </a:rPr>
+                        <a:t>thống</a:t>
+                      </a:r>
+                      <a:r>
+                        <a:rPr lang="en-US" dirty="0">
+                          <a:latin typeface="Arial" panose="020B0604020202020204" pitchFamily="34" charset="0"/>
+                          <a:cs typeface="Arial" panose="020B0604020202020204" pitchFamily="34" charset="0"/>
+                        </a:rPr>
+                        <a:t>, </a:t>
+                      </a:r>
+                      <a:r>
+                        <a:rPr lang="en-US" dirty="0" err="1">
+                          <a:latin typeface="Arial" panose="020B0604020202020204" pitchFamily="34" charset="0"/>
+                          <a:cs typeface="Arial" panose="020B0604020202020204" pitchFamily="34" charset="0"/>
+                        </a:rPr>
+                        <a:t>phân</a:t>
+                      </a:r>
+                      <a:r>
+                        <a:rPr lang="en-US" dirty="0">
+                          <a:latin typeface="Arial" panose="020B0604020202020204" pitchFamily="34" charset="0"/>
+                          <a:cs typeface="Arial" panose="020B0604020202020204" pitchFamily="34" charset="0"/>
+                        </a:rPr>
+                        <a:t> </a:t>
+                      </a:r>
+                      <a:r>
+                        <a:rPr lang="en-US" dirty="0" err="1">
+                          <a:latin typeface="Arial" panose="020B0604020202020204" pitchFamily="34" charset="0"/>
+                          <a:cs typeface="Arial" panose="020B0604020202020204" pitchFamily="34" charset="0"/>
+                        </a:rPr>
+                        <a:t>tích</a:t>
+                      </a:r>
+                      <a:r>
+                        <a:rPr lang="en-US" dirty="0">
+                          <a:latin typeface="Arial" panose="020B0604020202020204" pitchFamily="34" charset="0"/>
+                          <a:cs typeface="Arial" panose="020B0604020202020204" pitchFamily="34" charset="0"/>
+                        </a:rPr>
+                        <a:t> </a:t>
+                      </a:r>
+                      <a:r>
+                        <a:rPr lang="en-US" dirty="0" err="1">
+                          <a:latin typeface="Arial" panose="020B0604020202020204" pitchFamily="34" charset="0"/>
+                          <a:cs typeface="Arial" panose="020B0604020202020204" pitchFamily="34" charset="0"/>
+                        </a:rPr>
+                        <a:t>thiết</a:t>
+                      </a:r>
+                      <a:r>
+                        <a:rPr lang="en-US" dirty="0">
+                          <a:latin typeface="Arial" panose="020B0604020202020204" pitchFamily="34" charset="0"/>
+                          <a:cs typeface="Arial" panose="020B0604020202020204" pitchFamily="34" charset="0"/>
+                        </a:rPr>
+                        <a:t> </a:t>
+                      </a:r>
+                      <a:r>
+                        <a:rPr lang="en-US" dirty="0" err="1">
+                          <a:latin typeface="Arial" panose="020B0604020202020204" pitchFamily="34" charset="0"/>
+                          <a:cs typeface="Arial" panose="020B0604020202020204" pitchFamily="34" charset="0"/>
+                        </a:rPr>
+                        <a:t>kế</a:t>
+                      </a:r>
+                      <a:r>
+                        <a:rPr lang="en-US" dirty="0">
+                          <a:latin typeface="Arial" panose="020B0604020202020204" pitchFamily="34" charset="0"/>
+                          <a:cs typeface="Arial" panose="020B0604020202020204" pitchFamily="34" charset="0"/>
+                        </a:rPr>
+                        <a:t>, </a:t>
+                      </a:r>
+                      <a:r>
+                        <a:rPr lang="en-US" dirty="0" err="1">
+                          <a:latin typeface="Arial" panose="020B0604020202020204" pitchFamily="34" charset="0"/>
+                          <a:cs typeface="Arial" panose="020B0604020202020204" pitchFamily="34" charset="0"/>
+                        </a:rPr>
+                        <a:t>xây</a:t>
+                      </a:r>
+                      <a:r>
+                        <a:rPr lang="en-US" dirty="0">
+                          <a:latin typeface="Arial" panose="020B0604020202020204" pitchFamily="34" charset="0"/>
+                          <a:cs typeface="Arial" panose="020B0604020202020204" pitchFamily="34" charset="0"/>
+                        </a:rPr>
+                        <a:t> </a:t>
+                      </a:r>
+                      <a:r>
+                        <a:rPr lang="en-US" dirty="0" err="1">
+                          <a:latin typeface="Arial" panose="020B0604020202020204" pitchFamily="34" charset="0"/>
+                          <a:cs typeface="Arial" panose="020B0604020202020204" pitchFamily="34" charset="0"/>
+                        </a:rPr>
+                        <a:t>dựng</a:t>
+                      </a:r>
+                      <a:r>
+                        <a:rPr lang="en-US" dirty="0">
+                          <a:latin typeface="Arial" panose="020B0604020202020204" pitchFamily="34" charset="0"/>
+                          <a:cs typeface="Arial" panose="020B0604020202020204" pitchFamily="34" charset="0"/>
+                        </a:rPr>
+                        <a:t> </a:t>
+                      </a:r>
+                      <a:r>
+                        <a:rPr lang="en-US" dirty="0" err="1">
+                          <a:latin typeface="Arial" panose="020B0604020202020204" pitchFamily="34" charset="0"/>
+                          <a:cs typeface="Arial" panose="020B0604020202020204" pitchFamily="34" charset="0"/>
+                        </a:rPr>
+                        <a:t>kịch</a:t>
+                      </a:r>
+                      <a:r>
+                        <a:rPr lang="en-US" dirty="0">
+                          <a:latin typeface="Arial" panose="020B0604020202020204" pitchFamily="34" charset="0"/>
+                          <a:cs typeface="Arial" panose="020B0604020202020204" pitchFamily="34" charset="0"/>
+                        </a:rPr>
+                        <a:t> </a:t>
+                      </a:r>
+                      <a:r>
+                        <a:rPr lang="en-US" dirty="0" err="1">
+                          <a:latin typeface="Arial" panose="020B0604020202020204" pitchFamily="34" charset="0"/>
+                          <a:cs typeface="Arial" panose="020B0604020202020204" pitchFamily="34" charset="0"/>
+                        </a:rPr>
+                        <a:t>bản</a:t>
+                      </a:r>
+                      <a:r>
+                        <a:rPr lang="en-US" dirty="0">
+                          <a:latin typeface="Arial" panose="020B0604020202020204" pitchFamily="34" charset="0"/>
+                          <a:cs typeface="Arial" panose="020B0604020202020204" pitchFamily="34" charset="0"/>
+                        </a:rPr>
+                        <a:t> test.</a:t>
+                      </a:r>
                     </a:p>
                   </a:txBody>
                   <a:tcPr/>
@@ -6607,12 +6774,72 @@
           <a:chExt cx="0" cy="0"/>
         </a:xfrm>
       </p:grpSpPr>
+      <p:pic>
+        <p:nvPicPr>
+          <p:cNvPr id="14" name="Picture 13">
+            <a:extLst>
+              <a:ext uri="{FF2B5EF4-FFF2-40B4-BE49-F238E27FC236}">
+                <a16:creationId xmlns:a16="http://schemas.microsoft.com/office/drawing/2014/main" id="{87AF3F7B-7032-288A-16CF-0C2E8C558187}"/>
+              </a:ext>
+            </a:extLst>
+          </p:cNvPr>
+          <p:cNvPicPr>
+            <a:picLocks noChangeAspect="1"/>
+          </p:cNvPicPr>
+          <p:nvPr/>
+        </p:nvPicPr>
+        <p:blipFill>
+          <a:blip r:embed="rId2"/>
+          <a:stretch>
+            <a:fillRect/>
+          </a:stretch>
+        </p:blipFill>
+        <p:spPr>
+          <a:xfrm>
+            <a:off x="762378" y="4061435"/>
+            <a:ext cx="4938188" cy="2286198"/>
+          </a:xfrm>
+          <a:prstGeom prst="rect">
+            <a:avLst/>
+          </a:prstGeom>
+        </p:spPr>
+      </p:pic>
       <p:sp>
         <p:nvSpPr>
-          <p:cNvPr id="2" name="Title 1">
+          <p:cNvPr id="2" name="Slide Number Placeholder 1">
             <a:extLst>
               <a:ext uri="{FF2B5EF4-FFF2-40B4-BE49-F238E27FC236}">
-                <a16:creationId xmlns:a16="http://schemas.microsoft.com/office/drawing/2014/main" id="{66CA7ECF-1792-4255-AF79-1338056A166B}"/>
+                <a16:creationId xmlns:a16="http://schemas.microsoft.com/office/drawing/2014/main" id="{9E9CAB07-B0CD-4712-9734-2D3CBC72598C}"/>
+              </a:ext>
+            </a:extLst>
+          </p:cNvPr>
+          <p:cNvSpPr>
+            <a:spLocks noGrp="1"/>
+          </p:cNvSpPr>
+          <p:nvPr>
+            <p:ph type="sldNum" sz="quarter" idx="12"/>
+          </p:nvPr>
+        </p:nvSpPr>
+        <p:spPr/>
+        <p:txBody>
+          <a:bodyPr/>
+          <a:lstStyle/>
+          <a:p>
+            <a:fld id="{9EA0BE3B-158A-4EDF-80DC-E394A0D1600F}" type="slidenum">
+              <a:rPr lang="en-US" smtClean="0"/>
+              <a:pPr/>
+              <a:t>20</a:t>
+            </a:fld>
+            <a:endParaRPr lang="en-US" dirty="0"/>
+          </a:p>
+        </p:txBody>
+      </p:sp>
+      <p:sp>
+        <p:nvSpPr>
+          <p:cNvPr id="3" name="Title 2">
+            <a:extLst>
+              <a:ext uri="{FF2B5EF4-FFF2-40B4-BE49-F238E27FC236}">
+                <a16:creationId xmlns:a16="http://schemas.microsoft.com/office/drawing/2014/main" id="{F39C6F49-1887-4BE4-A583-FB79B8A22935}"/>
               </a:ext>
             </a:extLst>
           </p:cNvPr>
@@ -6629,38 +6856,226 @@
           <a:lstStyle/>
           <a:p>
             <a:r>
-              <a:rPr lang="en-US" sz="3200" dirty="0" err="1">
-                <a:solidFill>
-                  <a:srgbClr val="C00000"/>
-                </a:solidFill>
-                <a:latin typeface="Arial" panose="020B0604020202020204" pitchFamily="34" charset="0"/>
-                <a:cs typeface="Arial" panose="020B0604020202020204" pitchFamily="34" charset="0"/>
-              </a:rPr>
-              <a:t>Mục</a:t>
-            </a:r>
-            <a:r>
-              <a:rPr lang="en-US" sz="3200" dirty="0">
-                <a:solidFill>
-                  <a:srgbClr val="C00000"/>
-                </a:solidFill>
-                <a:latin typeface="Arial" panose="020B0604020202020204" pitchFamily="34" charset="0"/>
-                <a:cs typeface="Arial" panose="020B0604020202020204" pitchFamily="34" charset="0"/>
-              </a:rPr>
-              <a:t> </a:t>
-            </a:r>
-            <a:r>
-              <a:rPr lang="en-US" sz="3200" dirty="0" err="1">
-                <a:solidFill>
-                  <a:srgbClr val="C00000"/>
-                </a:solidFill>
-                <a:latin typeface="Arial" panose="020B0604020202020204" pitchFamily="34" charset="0"/>
-                <a:cs typeface="Arial" panose="020B0604020202020204" pitchFamily="34" charset="0"/>
-              </a:rPr>
-              <a:t>lục</a:t>
-            </a:r>
-            <a:endParaRPr lang="en-US" sz="3200" dirty="0">
+              <a:rPr lang="en-US" sz="2400" dirty="0">
+                <a:latin typeface="Arial" panose="020B0604020202020204" pitchFamily="34" charset="0"/>
+                <a:cs typeface="Arial" panose="020B0604020202020204" pitchFamily="34" charset="0"/>
+              </a:rPr>
+              <a:t>Coherence</a:t>
+            </a:r>
+          </a:p>
+        </p:txBody>
+      </p:sp>
+      <p:sp>
+        <p:nvSpPr>
+          <p:cNvPr id="7" name="TextBox 6">
+            <a:extLst>
+              <a:ext uri="{FF2B5EF4-FFF2-40B4-BE49-F238E27FC236}">
+                <a16:creationId xmlns:a16="http://schemas.microsoft.com/office/drawing/2014/main" id="{492EABD8-A5D8-3761-0C81-7631665C4BDD}"/>
+              </a:ext>
+            </a:extLst>
+          </p:cNvPr>
+          <p:cNvSpPr txBox="1"/>
+          <p:nvPr/>
+        </p:nvSpPr>
+        <p:spPr>
+          <a:xfrm>
+            <a:off x="5813135" y="809864"/>
+            <a:ext cx="2568487" cy="1938992"/>
+          </a:xfrm>
+          <a:prstGeom prst="rect">
+            <a:avLst/>
+          </a:prstGeom>
+          <a:noFill/>
+        </p:spPr>
+        <p:txBody>
+          <a:bodyPr wrap="square">
+            <a:spAutoFit/>
+          </a:bodyPr>
+          <a:lstStyle/>
+          <a:p>
+            <a:r>
+              <a:rPr lang="en-US" sz="2400" b="1" dirty="0">
+                <a:solidFill>
+                  <a:schemeClr val="accent1"/>
+                </a:solidFill>
+                <a:latin typeface="Arial" panose="020B0604020202020204" pitchFamily="34" charset="0"/>
+                <a:cs typeface="Arial" panose="020B0604020202020204" pitchFamily="34" charset="0"/>
+              </a:rPr>
+              <a:t>Communication cohesion, </a:t>
+            </a:r>
+            <a:r>
+              <a:rPr lang="en-US" sz="2400" b="1" dirty="0" err="1">
+                <a:solidFill>
+                  <a:schemeClr val="accent1"/>
+                </a:solidFill>
+                <a:latin typeface="Arial" panose="020B0604020202020204" pitchFamily="34" charset="0"/>
+                <a:cs typeface="Arial" panose="020B0604020202020204" pitchFamily="34" charset="0"/>
+              </a:rPr>
+              <a:t>cùng</a:t>
+            </a:r>
+            <a:r>
+              <a:rPr lang="en-US" sz="2400" b="1" dirty="0">
+                <a:solidFill>
+                  <a:schemeClr val="accent1"/>
+                </a:solidFill>
+                <a:latin typeface="Arial" panose="020B0604020202020204" pitchFamily="34" charset="0"/>
+                <a:cs typeface="Arial" panose="020B0604020202020204" pitchFamily="34" charset="0"/>
+              </a:rPr>
+              <a:t> </a:t>
+            </a:r>
+            <a:r>
+              <a:rPr lang="en-US" sz="2400" b="1" dirty="0" err="1">
+                <a:solidFill>
+                  <a:schemeClr val="accent1"/>
+                </a:solidFill>
+                <a:latin typeface="Arial" panose="020B0604020202020204" pitchFamily="34" charset="0"/>
+                <a:cs typeface="Arial" panose="020B0604020202020204" pitchFamily="34" charset="0"/>
+              </a:rPr>
+              <a:t>hoạt</a:t>
+            </a:r>
+            <a:r>
+              <a:rPr lang="en-US" sz="2400" b="1" dirty="0">
+                <a:solidFill>
+                  <a:schemeClr val="accent1"/>
+                </a:solidFill>
+                <a:latin typeface="Arial" panose="020B0604020202020204" pitchFamily="34" charset="0"/>
+                <a:cs typeface="Arial" panose="020B0604020202020204" pitchFamily="34" charset="0"/>
+              </a:rPr>
+              <a:t> </a:t>
+            </a:r>
+            <a:r>
+              <a:rPr lang="en-US" sz="2400" b="1" dirty="0" err="1">
+                <a:solidFill>
+                  <a:schemeClr val="accent1"/>
+                </a:solidFill>
+                <a:latin typeface="Arial" panose="020B0604020202020204" pitchFamily="34" charset="0"/>
+                <a:cs typeface="Arial" panose="020B0604020202020204" pitchFamily="34" charset="0"/>
+              </a:rPr>
+              <a:t>động</a:t>
+            </a:r>
+            <a:r>
+              <a:rPr lang="en-US" sz="2400" b="1" dirty="0">
+                <a:solidFill>
+                  <a:schemeClr val="accent1"/>
+                </a:solidFill>
+                <a:latin typeface="Arial" panose="020B0604020202020204" pitchFamily="34" charset="0"/>
+                <a:cs typeface="Arial" panose="020B0604020202020204" pitchFamily="34" charset="0"/>
+              </a:rPr>
+              <a:t> </a:t>
+            </a:r>
+            <a:r>
+              <a:rPr lang="en-US" sz="2400" b="1" dirty="0" err="1">
+                <a:solidFill>
+                  <a:schemeClr val="accent1"/>
+                </a:solidFill>
+                <a:latin typeface="Arial" panose="020B0604020202020204" pitchFamily="34" charset="0"/>
+                <a:cs typeface="Arial" panose="020B0604020202020204" pitchFamily="34" charset="0"/>
+              </a:rPr>
+              <a:t>với</a:t>
+            </a:r>
+            <a:r>
+              <a:rPr lang="en-US" sz="2400" b="1" dirty="0">
+                <a:solidFill>
+                  <a:schemeClr val="accent1"/>
+                </a:solidFill>
+                <a:latin typeface="Arial" panose="020B0604020202020204" pitchFamily="34" charset="0"/>
+                <a:cs typeface="Arial" panose="020B0604020202020204" pitchFamily="34" charset="0"/>
+              </a:rPr>
+              <a:t> </a:t>
+            </a:r>
+            <a:r>
+              <a:rPr lang="en-US" sz="2400" b="1" dirty="0" err="1">
+                <a:solidFill>
+                  <a:schemeClr val="accent1"/>
+                </a:solidFill>
+                <a:latin typeface="Arial" panose="020B0604020202020204" pitchFamily="34" charset="0"/>
+                <a:cs typeface="Arial" panose="020B0604020202020204" pitchFamily="34" charset="0"/>
+              </a:rPr>
+              <a:t>đầu</a:t>
+            </a:r>
+            <a:r>
+              <a:rPr lang="en-US" sz="2400" b="1" dirty="0">
+                <a:solidFill>
+                  <a:schemeClr val="accent1"/>
+                </a:solidFill>
+                <a:latin typeface="Arial" panose="020B0604020202020204" pitchFamily="34" charset="0"/>
+                <a:cs typeface="Arial" panose="020B0604020202020204" pitchFamily="34" charset="0"/>
+              </a:rPr>
+              <a:t> </a:t>
+            </a:r>
+            <a:r>
+              <a:rPr lang="en-US" sz="2400" b="1" dirty="0" err="1">
+                <a:solidFill>
+                  <a:schemeClr val="accent1"/>
+                </a:solidFill>
+                <a:latin typeface="Arial" panose="020B0604020202020204" pitchFamily="34" charset="0"/>
+                <a:cs typeface="Arial" panose="020B0604020202020204" pitchFamily="34" charset="0"/>
+              </a:rPr>
+              <a:t>vào</a:t>
+            </a:r>
+            <a:r>
+              <a:rPr lang="en-US" sz="2400" b="1" dirty="0">
+                <a:solidFill>
+                  <a:schemeClr val="accent1"/>
+                </a:solidFill>
+                <a:latin typeface="Arial" panose="020B0604020202020204" pitchFamily="34" charset="0"/>
+                <a:cs typeface="Arial" panose="020B0604020202020204" pitchFamily="34" charset="0"/>
+              </a:rPr>
+              <a:t> </a:t>
+            </a:r>
+            <a:r>
+              <a:rPr lang="en-US" sz="2400" b="1" dirty="0" err="1">
+                <a:solidFill>
+                  <a:schemeClr val="accent1"/>
+                </a:solidFill>
+                <a:latin typeface="Arial" panose="020B0604020202020204" pitchFamily="34" charset="0"/>
+                <a:cs typeface="Arial" panose="020B0604020202020204" pitchFamily="34" charset="0"/>
+              </a:rPr>
+              <a:t>là</a:t>
+            </a:r>
+            <a:r>
+              <a:rPr lang="en-US" sz="2400" b="1" dirty="0">
+                <a:solidFill>
+                  <a:schemeClr val="accent1"/>
+                </a:solidFill>
+                <a:latin typeface="Arial" panose="020B0604020202020204" pitchFamily="34" charset="0"/>
+                <a:cs typeface="Arial" panose="020B0604020202020204" pitchFamily="34" charset="0"/>
+              </a:rPr>
+              <a:t> ID </a:t>
+            </a:r>
+            <a:r>
+              <a:rPr lang="en-US" sz="2400" b="1" dirty="0" err="1">
+                <a:solidFill>
+                  <a:schemeClr val="accent1"/>
+                </a:solidFill>
+                <a:latin typeface="Arial" panose="020B0604020202020204" pitchFamily="34" charset="0"/>
+                <a:cs typeface="Arial" panose="020B0604020202020204" pitchFamily="34" charset="0"/>
+              </a:rPr>
+              <a:t>của</a:t>
+            </a:r>
+            <a:r>
+              <a:rPr lang="en-US" sz="2400" b="1" dirty="0">
+                <a:solidFill>
+                  <a:schemeClr val="accent1"/>
+                </a:solidFill>
+                <a:latin typeface="Arial" panose="020B0604020202020204" pitchFamily="34" charset="0"/>
+                <a:cs typeface="Arial" panose="020B0604020202020204" pitchFamily="34" charset="0"/>
+              </a:rPr>
+              <a:t> </a:t>
+            </a:r>
+            <a:r>
+              <a:rPr lang="en-US" sz="2400" b="1" dirty="0" err="1">
+                <a:solidFill>
+                  <a:schemeClr val="accent1"/>
+                </a:solidFill>
+                <a:latin typeface="Arial" panose="020B0604020202020204" pitchFamily="34" charset="0"/>
+                <a:cs typeface="Arial" panose="020B0604020202020204" pitchFamily="34" charset="0"/>
+              </a:rPr>
+              <a:t>xe</a:t>
+            </a:r>
+            <a:endParaRPr lang="en-US" sz="2400" b="1" dirty="0">
               <a:solidFill>
-                <a:srgbClr val="C00000"/>
+                <a:schemeClr val="accent1"/>
               </a:solidFill>
               <a:latin typeface="Arial" panose="020B0604020202020204" pitchFamily="34" charset="0"/>
               <a:cs typeface="Arial" panose="020B0604020202020204" pitchFamily="34" charset="0"/>
@@ -6668,398 +7083,133 @@
           </a:p>
         </p:txBody>
       </p:sp>
+      <p:pic>
+        <p:nvPicPr>
+          <p:cNvPr id="6" name="Picture 5">
+            <a:extLst>
+              <a:ext uri="{FF2B5EF4-FFF2-40B4-BE49-F238E27FC236}">
+                <a16:creationId xmlns:a16="http://schemas.microsoft.com/office/drawing/2014/main" id="{8997EB6D-F291-3CA8-16EC-28DC49BFFDDC}"/>
+              </a:ext>
+            </a:extLst>
+          </p:cNvPr>
+          <p:cNvPicPr>
+            <a:picLocks noChangeAspect="1"/>
+          </p:cNvPicPr>
+          <p:nvPr/>
+        </p:nvPicPr>
+        <p:blipFill>
+          <a:blip r:embed="rId3"/>
+          <a:stretch>
+            <a:fillRect/>
+          </a:stretch>
+        </p:blipFill>
+        <p:spPr>
+          <a:xfrm>
+            <a:off x="762378" y="809864"/>
+            <a:ext cx="4587638" cy="2972058"/>
+          </a:xfrm>
+          <a:prstGeom prst="rect">
+            <a:avLst/>
+          </a:prstGeom>
+        </p:spPr>
+      </p:pic>
       <p:sp>
         <p:nvSpPr>
-          <p:cNvPr id="3" name="Text Placeholder 2">
+          <p:cNvPr id="12" name="Oval 11">
             <a:extLst>
               <a:ext uri="{FF2B5EF4-FFF2-40B4-BE49-F238E27FC236}">
-                <a16:creationId xmlns:a16="http://schemas.microsoft.com/office/drawing/2014/main" id="{387A365B-2C63-46A3-AD64-BA52831BEC40}"/>
+                <a16:creationId xmlns:a16="http://schemas.microsoft.com/office/drawing/2014/main" id="{017C2F49-4AF1-3B15-9480-24BD1014F903}"/>
               </a:ext>
             </a:extLst>
           </p:cNvPr>
-          <p:cNvSpPr>
-            <a:spLocks noGrp="1"/>
-          </p:cNvSpPr>
-          <p:nvPr>
-            <p:ph type="body" sz="quarter" idx="13"/>
-          </p:nvPr>
+          <p:cNvSpPr/>
+          <p:nvPr/>
         </p:nvSpPr>
-        <p:spPr/>
+        <p:spPr>
+          <a:xfrm>
+            <a:off x="1624613" y="4281505"/>
+            <a:ext cx="2681057" cy="2286198"/>
+          </a:xfrm>
+          <a:prstGeom prst="ellipse">
+            <a:avLst/>
+          </a:prstGeom>
+          <a:noFill/>
+          <a:ln w="19050">
+            <a:solidFill>
+              <a:schemeClr val="accent1"/>
+            </a:solidFill>
+          </a:ln>
+        </p:spPr>
+        <p:style>
+          <a:lnRef idx="2">
+            <a:schemeClr val="accent1">
+              <a:shade val="50000"/>
+            </a:schemeClr>
+          </a:lnRef>
+          <a:fillRef idx="1">
+            <a:schemeClr val="accent1"/>
+          </a:fillRef>
+          <a:effectRef idx="0">
+            <a:schemeClr val="accent1"/>
+          </a:effectRef>
+          <a:fontRef idx="minor">
+            <a:schemeClr val="lt1"/>
+          </a:fontRef>
+        </p:style>
         <p:txBody>
-          <a:bodyPr/>
+          <a:bodyPr rtlCol="0" anchor="ctr"/>
           <a:lstStyle/>
           <a:p>
-            <a:pPr marL="514350" indent="-514350">
-              <a:lnSpc>
-                <a:spcPct val="150000"/>
-              </a:lnSpc>
-              <a:buAutoNum type="arabicPeriod"/>
-            </a:pPr>
-            <a:r>
-              <a:rPr lang="en-US" dirty="0" err="1">
-                <a:solidFill>
-                  <a:schemeClr val="bg1">
-                    <a:lumMod val="85000"/>
-                  </a:schemeClr>
-                </a:solidFill>
-                <a:latin typeface="Arial" panose="020B0604020202020204" pitchFamily="34" charset="0"/>
-                <a:cs typeface="Arial" panose="020B0604020202020204" pitchFamily="34" charset="0"/>
-              </a:rPr>
-              <a:t>Phân</a:t>
-            </a:r>
-            <a:r>
-              <a:rPr lang="en-US" dirty="0">
-                <a:solidFill>
-                  <a:schemeClr val="bg1">
-                    <a:lumMod val="85000"/>
-                  </a:schemeClr>
-                </a:solidFill>
-                <a:latin typeface="Arial" panose="020B0604020202020204" pitchFamily="34" charset="0"/>
-                <a:cs typeface="Arial" panose="020B0604020202020204" pitchFamily="34" charset="0"/>
-              </a:rPr>
-              <a:t> </a:t>
-            </a:r>
-            <a:r>
-              <a:rPr lang="en-US" dirty="0" err="1">
-                <a:solidFill>
-                  <a:schemeClr val="bg1">
-                    <a:lumMod val="85000"/>
-                  </a:schemeClr>
-                </a:solidFill>
-                <a:latin typeface="Arial" panose="020B0604020202020204" pitchFamily="34" charset="0"/>
-                <a:cs typeface="Arial" panose="020B0604020202020204" pitchFamily="34" charset="0"/>
-              </a:rPr>
-              <a:t>tích</a:t>
-            </a:r>
-            <a:r>
-              <a:rPr lang="en-US" dirty="0">
-                <a:solidFill>
-                  <a:schemeClr val="bg1">
-                    <a:lumMod val="85000"/>
-                  </a:schemeClr>
-                </a:solidFill>
-                <a:latin typeface="Arial" panose="020B0604020202020204" pitchFamily="34" charset="0"/>
-                <a:cs typeface="Arial" panose="020B0604020202020204" pitchFamily="34" charset="0"/>
-              </a:rPr>
-              <a:t> </a:t>
-            </a:r>
-            <a:r>
-              <a:rPr lang="en-US" dirty="0" err="1">
-                <a:solidFill>
-                  <a:schemeClr val="bg1">
-                    <a:lumMod val="85000"/>
-                  </a:schemeClr>
-                </a:solidFill>
-                <a:latin typeface="Arial" panose="020B0604020202020204" pitchFamily="34" charset="0"/>
-                <a:cs typeface="Arial" panose="020B0604020202020204" pitchFamily="34" charset="0"/>
-              </a:rPr>
-              <a:t>yêu</a:t>
-            </a:r>
-            <a:r>
-              <a:rPr lang="en-US" dirty="0">
-                <a:solidFill>
-                  <a:schemeClr val="bg1">
-                    <a:lumMod val="85000"/>
-                  </a:schemeClr>
-                </a:solidFill>
-                <a:latin typeface="Arial" panose="020B0604020202020204" pitchFamily="34" charset="0"/>
-                <a:cs typeface="Arial" panose="020B0604020202020204" pitchFamily="34" charset="0"/>
-              </a:rPr>
-              <a:t> </a:t>
-            </a:r>
-            <a:r>
-              <a:rPr lang="en-US" dirty="0" err="1">
-                <a:solidFill>
-                  <a:schemeClr val="bg1">
-                    <a:lumMod val="85000"/>
-                  </a:schemeClr>
-                </a:solidFill>
-                <a:latin typeface="Arial" panose="020B0604020202020204" pitchFamily="34" charset="0"/>
-                <a:cs typeface="Arial" panose="020B0604020202020204" pitchFamily="34" charset="0"/>
-              </a:rPr>
-              <a:t>cầu</a:t>
-            </a:r>
-            <a:endParaRPr lang="en-US" dirty="0">
-              <a:solidFill>
-                <a:schemeClr val="bg1">
-                  <a:lumMod val="85000"/>
-                </a:schemeClr>
-              </a:solidFill>
-              <a:latin typeface="Arial" panose="020B0604020202020204" pitchFamily="34" charset="0"/>
-              <a:cs typeface="Arial" panose="020B0604020202020204" pitchFamily="34" charset="0"/>
-            </a:endParaRPr>
-          </a:p>
-          <a:p>
-            <a:pPr marL="514350" indent="-514350">
-              <a:lnSpc>
-                <a:spcPct val="150000"/>
-              </a:lnSpc>
-              <a:buAutoNum type="arabicPeriod"/>
-            </a:pPr>
-            <a:r>
-              <a:rPr lang="en-US" dirty="0" err="1">
-                <a:solidFill>
-                  <a:schemeClr val="bg1">
-                    <a:lumMod val="85000"/>
-                  </a:schemeClr>
-                </a:solidFill>
-                <a:latin typeface="Arial" panose="020B0604020202020204" pitchFamily="34" charset="0"/>
-                <a:cs typeface="Arial" panose="020B0604020202020204" pitchFamily="34" charset="0"/>
-              </a:rPr>
-              <a:t>Thiết</a:t>
-            </a:r>
-            <a:r>
-              <a:rPr lang="en-US" dirty="0">
-                <a:solidFill>
-                  <a:schemeClr val="bg1">
-                    <a:lumMod val="85000"/>
-                  </a:schemeClr>
-                </a:solidFill>
-                <a:latin typeface="Arial" panose="020B0604020202020204" pitchFamily="34" charset="0"/>
-                <a:cs typeface="Arial" panose="020B0604020202020204" pitchFamily="34" charset="0"/>
-              </a:rPr>
-              <a:t> </a:t>
-            </a:r>
-            <a:r>
-              <a:rPr lang="en-US" dirty="0" err="1">
-                <a:solidFill>
-                  <a:schemeClr val="bg1">
-                    <a:lumMod val="85000"/>
-                  </a:schemeClr>
-                </a:solidFill>
-                <a:latin typeface="Arial" panose="020B0604020202020204" pitchFamily="34" charset="0"/>
-                <a:cs typeface="Arial" panose="020B0604020202020204" pitchFamily="34" charset="0"/>
-              </a:rPr>
-              <a:t>kế</a:t>
-            </a:r>
-            <a:endParaRPr lang="en-US" dirty="0">
-              <a:solidFill>
-                <a:schemeClr val="bg1">
-                  <a:lumMod val="85000"/>
-                </a:schemeClr>
-              </a:solidFill>
-              <a:latin typeface="Arial" panose="020B0604020202020204" pitchFamily="34" charset="0"/>
-              <a:cs typeface="Arial" panose="020B0604020202020204" pitchFamily="34" charset="0"/>
-            </a:endParaRPr>
-          </a:p>
-          <a:p>
-            <a:pPr marL="514350" indent="-514350">
-              <a:lnSpc>
-                <a:spcPct val="150000"/>
-              </a:lnSpc>
-              <a:buAutoNum type="arabicPeriod"/>
-            </a:pPr>
-            <a:r>
-              <a:rPr lang="en-US" dirty="0" err="1">
-                <a:solidFill>
-                  <a:schemeClr val="bg1">
-                    <a:lumMod val="85000"/>
-                  </a:schemeClr>
-                </a:solidFill>
-                <a:latin typeface="Arial" panose="020B0604020202020204" pitchFamily="34" charset="0"/>
-                <a:cs typeface="Arial" panose="020B0604020202020204" pitchFamily="34" charset="0"/>
-              </a:rPr>
-              <a:t>Phân</a:t>
-            </a:r>
-            <a:r>
-              <a:rPr lang="en-US" dirty="0">
-                <a:solidFill>
-                  <a:schemeClr val="bg1">
-                    <a:lumMod val="85000"/>
-                  </a:schemeClr>
-                </a:solidFill>
-                <a:latin typeface="Arial" panose="020B0604020202020204" pitchFamily="34" charset="0"/>
-                <a:cs typeface="Arial" panose="020B0604020202020204" pitchFamily="34" charset="0"/>
-              </a:rPr>
-              <a:t> </a:t>
-            </a:r>
-            <a:r>
-              <a:rPr lang="en-US" dirty="0" err="1">
-                <a:solidFill>
-                  <a:schemeClr val="bg1">
-                    <a:lumMod val="85000"/>
-                  </a:schemeClr>
-                </a:solidFill>
-                <a:latin typeface="Arial" panose="020B0604020202020204" pitchFamily="34" charset="0"/>
-                <a:cs typeface="Arial" panose="020B0604020202020204" pitchFamily="34" charset="0"/>
-              </a:rPr>
-              <a:t>tích</a:t>
-            </a:r>
-            <a:r>
-              <a:rPr lang="en-US" dirty="0">
-                <a:solidFill>
-                  <a:schemeClr val="bg1">
-                    <a:lumMod val="85000"/>
-                  </a:schemeClr>
-                </a:solidFill>
-                <a:latin typeface="Arial" panose="020B0604020202020204" pitchFamily="34" charset="0"/>
-                <a:cs typeface="Arial" panose="020B0604020202020204" pitchFamily="34" charset="0"/>
-              </a:rPr>
-              <a:t> </a:t>
-            </a:r>
-            <a:r>
-              <a:rPr lang="en-US" dirty="0" err="1">
-                <a:solidFill>
-                  <a:schemeClr val="bg1">
-                    <a:lumMod val="85000"/>
-                  </a:schemeClr>
-                </a:solidFill>
-                <a:latin typeface="Arial" panose="020B0604020202020204" pitchFamily="34" charset="0"/>
-                <a:cs typeface="Arial" panose="020B0604020202020204" pitchFamily="34" charset="0"/>
-              </a:rPr>
-              <a:t>thiết</a:t>
-            </a:r>
-            <a:r>
-              <a:rPr lang="en-US" dirty="0">
-                <a:solidFill>
-                  <a:schemeClr val="bg1">
-                    <a:lumMod val="85000"/>
-                  </a:schemeClr>
-                </a:solidFill>
-                <a:latin typeface="Arial" panose="020B0604020202020204" pitchFamily="34" charset="0"/>
-                <a:cs typeface="Arial" panose="020B0604020202020204" pitchFamily="34" charset="0"/>
-              </a:rPr>
-              <a:t> </a:t>
-            </a:r>
-            <a:r>
-              <a:rPr lang="en-US" dirty="0" err="1">
-                <a:solidFill>
-                  <a:schemeClr val="bg1">
-                    <a:lumMod val="85000"/>
-                  </a:schemeClr>
-                </a:solidFill>
-                <a:latin typeface="Arial" panose="020B0604020202020204" pitchFamily="34" charset="0"/>
-                <a:cs typeface="Arial" panose="020B0604020202020204" pitchFamily="34" charset="0"/>
-              </a:rPr>
-              <a:t>kế</a:t>
-            </a:r>
-            <a:endParaRPr lang="en-US" dirty="0">
-              <a:solidFill>
-                <a:schemeClr val="bg1">
-                  <a:lumMod val="85000"/>
-                </a:schemeClr>
-              </a:solidFill>
-              <a:latin typeface="Arial" panose="020B0604020202020204" pitchFamily="34" charset="0"/>
-              <a:cs typeface="Arial" panose="020B0604020202020204" pitchFamily="34" charset="0"/>
-            </a:endParaRPr>
-          </a:p>
-          <a:p>
-            <a:pPr marL="514350" indent="-514350">
-              <a:lnSpc>
-                <a:spcPct val="150000"/>
-              </a:lnSpc>
-              <a:buAutoNum type="arabicPeriod"/>
-            </a:pPr>
-            <a:r>
-              <a:rPr lang="en-US" dirty="0" err="1">
-                <a:latin typeface="Arial" panose="020B0604020202020204" pitchFamily="34" charset="0"/>
-                <a:cs typeface="Arial" panose="020B0604020202020204" pitchFamily="34" charset="0"/>
-              </a:rPr>
-              <a:t>Xây</a:t>
-            </a:r>
-            <a:r>
-              <a:rPr lang="en-US" dirty="0">
-                <a:latin typeface="Arial" panose="020B0604020202020204" pitchFamily="34" charset="0"/>
-                <a:cs typeface="Arial" panose="020B0604020202020204" pitchFamily="34" charset="0"/>
-              </a:rPr>
-              <a:t> </a:t>
-            </a:r>
-            <a:r>
-              <a:rPr lang="en-US" dirty="0" err="1">
-                <a:latin typeface="Arial" panose="020B0604020202020204" pitchFamily="34" charset="0"/>
-                <a:cs typeface="Arial" panose="020B0604020202020204" pitchFamily="34" charset="0"/>
-              </a:rPr>
-              <a:t>dựng</a:t>
-            </a:r>
-            <a:r>
-              <a:rPr lang="en-US" dirty="0">
-                <a:latin typeface="Arial" panose="020B0604020202020204" pitchFamily="34" charset="0"/>
-                <a:cs typeface="Arial" panose="020B0604020202020204" pitchFamily="34" charset="0"/>
-              </a:rPr>
-              <a:t> </a:t>
-            </a:r>
-            <a:r>
-              <a:rPr lang="en-US" dirty="0" err="1">
-                <a:latin typeface="Arial" panose="020B0604020202020204" pitchFamily="34" charset="0"/>
-                <a:cs typeface="Arial" panose="020B0604020202020204" pitchFamily="34" charset="0"/>
-              </a:rPr>
-              <a:t>phần</a:t>
-            </a:r>
-            <a:r>
-              <a:rPr lang="en-US" dirty="0">
-                <a:latin typeface="Arial" panose="020B0604020202020204" pitchFamily="34" charset="0"/>
-                <a:cs typeface="Arial" panose="020B0604020202020204" pitchFamily="34" charset="0"/>
-              </a:rPr>
-              <a:t> </a:t>
-            </a:r>
-            <a:r>
-              <a:rPr lang="en-US" dirty="0" err="1">
-                <a:latin typeface="Arial" panose="020B0604020202020204" pitchFamily="34" charset="0"/>
-                <a:cs typeface="Arial" panose="020B0604020202020204" pitchFamily="34" charset="0"/>
-              </a:rPr>
-              <a:t>mềm</a:t>
-            </a:r>
-            <a:endParaRPr lang="en-US" dirty="0">
-              <a:latin typeface="Arial" panose="020B0604020202020204" pitchFamily="34" charset="0"/>
-              <a:cs typeface="Arial" panose="020B0604020202020204" pitchFamily="34" charset="0"/>
-            </a:endParaRPr>
-          </a:p>
-          <a:p>
-            <a:pPr marL="514350" indent="-514350">
-              <a:lnSpc>
-                <a:spcPct val="150000"/>
-              </a:lnSpc>
-              <a:buAutoNum type="arabicPeriod"/>
-            </a:pPr>
-            <a:r>
-              <a:rPr lang="en-US" dirty="0">
-                <a:solidFill>
-                  <a:schemeClr val="bg1">
-                    <a:lumMod val="85000"/>
-                  </a:schemeClr>
-                </a:solidFill>
-                <a:latin typeface="Arial" panose="020B0604020202020204" pitchFamily="34" charset="0"/>
-                <a:cs typeface="Arial" panose="020B0604020202020204" pitchFamily="34" charset="0"/>
-              </a:rPr>
-              <a:t>Demo</a:t>
-            </a:r>
+            <a:pPr algn="ctr"/>
+            <a:endParaRPr lang="en-US"/>
           </a:p>
         </p:txBody>
       </p:sp>
       <p:sp>
         <p:nvSpPr>
-          <p:cNvPr id="4" name="Slide Number Placeholder 3">
+          <p:cNvPr id="15" name="TextBox 14">
             <a:extLst>
               <a:ext uri="{FF2B5EF4-FFF2-40B4-BE49-F238E27FC236}">
-                <a16:creationId xmlns:a16="http://schemas.microsoft.com/office/drawing/2014/main" id="{FB67697B-E2F6-452F-B4AF-9444ACC6F580}"/>
+                <a16:creationId xmlns:a16="http://schemas.microsoft.com/office/drawing/2014/main" id="{D1BF0289-F309-634F-9E47-358EE873AD09}"/>
               </a:ext>
             </a:extLst>
           </p:cNvPr>
-          <p:cNvSpPr>
-            <a:spLocks noGrp="1"/>
-          </p:cNvSpPr>
-          <p:nvPr>
-            <p:ph type="sldNum" sz="quarter" idx="12"/>
-          </p:nvPr>
+          <p:cNvSpPr txBox="1"/>
+          <p:nvPr/>
         </p:nvSpPr>
-        <p:spPr/>
+        <p:spPr>
+          <a:xfrm>
+            <a:off x="5813134" y="3954038"/>
+            <a:ext cx="2568487" cy="830997"/>
+          </a:xfrm>
+          <a:prstGeom prst="rect">
+            <a:avLst/>
+          </a:prstGeom>
+          <a:noFill/>
+        </p:spPr>
         <p:txBody>
-          <a:bodyPr/>
+          <a:bodyPr wrap="square">
+            <a:spAutoFit/>
+          </a:bodyPr>
           <a:lstStyle/>
           <a:p>
-            <a:fld id="{9EA0BE3B-158A-4EDF-80DC-E394A0D1600F}" type="slidenum">
-              <a:rPr lang="en-US" smtClean="0"/>
-              <a:pPr/>
-              <a:t>20</a:t>
-            </a:fld>
-            <a:endParaRPr lang="en-US" dirty="0"/>
+            <a:r>
+              <a:rPr lang="en-US" sz="2400" b="1" dirty="0">
+                <a:solidFill>
+                  <a:schemeClr val="accent1"/>
+                </a:solidFill>
+                <a:latin typeface="Arial" panose="020B0604020202020204" pitchFamily="34" charset="0"/>
+                <a:cs typeface="Arial" panose="020B0604020202020204" pitchFamily="34" charset="0"/>
+              </a:rPr>
+              <a:t>Sequential Cohesion</a:t>
+            </a:r>
           </a:p>
         </p:txBody>
       </p:sp>
     </p:spTree>
     <p:extLst>
       <p:ext uri="{BB962C8B-B14F-4D97-AF65-F5344CB8AC3E}">
-        <p14:creationId xmlns:p14="http://schemas.microsoft.com/office/powerpoint/2010/main" val="3034788845"/>
+        <p14:creationId xmlns:p14="http://schemas.microsoft.com/office/powerpoint/2010/main" val="4224429122"/>
       </p:ext>
     </p:extLst>
   </p:cSld>
@@ -7138,75 +7288,55 @@
           <a:lstStyle/>
           <a:p>
             <a:r>
-              <a:rPr lang="en-US" sz="2400" dirty="0" err="1">
-                <a:latin typeface="Arial" panose="020B0604020202020204" pitchFamily="34" charset="0"/>
-                <a:cs typeface="Arial" panose="020B0604020202020204" pitchFamily="34" charset="0"/>
-              </a:rPr>
-              <a:t>Công</a:t>
-            </a:r>
-            <a:r>
               <a:rPr lang="en-US" sz="2400" dirty="0">
                 <a:latin typeface="Arial" panose="020B0604020202020204" pitchFamily="34" charset="0"/>
                 <a:cs typeface="Arial" panose="020B0604020202020204" pitchFamily="34" charset="0"/>
               </a:rPr>
-              <a:t> </a:t>
-            </a:r>
-            <a:r>
-              <a:rPr lang="en-US" sz="2400" dirty="0" err="1">
-                <a:latin typeface="Arial" panose="020B0604020202020204" pitchFamily="34" charset="0"/>
-                <a:cs typeface="Arial" panose="020B0604020202020204" pitchFamily="34" charset="0"/>
-              </a:rPr>
-              <a:t>nghệ</a:t>
-            </a:r>
-            <a:endParaRPr lang="en-US" sz="2400" dirty="0">
-              <a:latin typeface="Arial" panose="020B0604020202020204" pitchFamily="34" charset="0"/>
-              <a:cs typeface="Arial" panose="020B0604020202020204" pitchFamily="34" charset="0"/>
-            </a:endParaRPr>
+              <a:t>Strategy pattern</a:t>
+            </a:r>
           </a:p>
         </p:txBody>
       </p:sp>
-      <p:sp>
-        <p:nvSpPr>
-          <p:cNvPr id="4" name="TextBox 3">
+      <p:pic>
+        <p:nvPicPr>
+          <p:cNvPr id="6" name="Picture 5" descr="Diagram&#10;&#10;Description automatically generated">
             <a:extLst>
               <a:ext uri="{FF2B5EF4-FFF2-40B4-BE49-F238E27FC236}">
-                <a16:creationId xmlns:a16="http://schemas.microsoft.com/office/drawing/2014/main" id="{E9840190-7C1E-6EDA-FF69-2CDEFC8778AC}"/>
+                <a16:creationId xmlns:a16="http://schemas.microsoft.com/office/drawing/2014/main" id="{4061DD99-3304-94F2-0D2D-C5E5415D5FAD}"/>
               </a:ext>
             </a:extLst>
           </p:cNvPr>
-          <p:cNvSpPr txBox="1"/>
+          <p:cNvPicPr>
+            <a:picLocks noChangeAspect="1"/>
+          </p:cNvPicPr>
           <p:nvPr/>
-        </p:nvSpPr>
+        </p:nvPicPr>
+        <p:blipFill>
+          <a:blip r:embed="rId2">
+            <a:extLst>
+              <a:ext uri="{28A0092B-C50C-407E-A947-70E740481C1C}">
+                <a14:useLocalDpi xmlns:a14="http://schemas.microsoft.com/office/drawing/2010/main" val="0"/>
+              </a:ext>
+            </a:extLst>
+          </a:blip>
+          <a:stretch>
+            <a:fillRect/>
+          </a:stretch>
+        </p:blipFill>
         <p:spPr>
           <a:xfrm>
-            <a:off x="235077" y="912583"/>
-            <a:ext cx="3173948" cy="461665"/>
+            <a:off x="562476" y="1152809"/>
+            <a:ext cx="8019048" cy="4552381"/>
           </a:xfrm>
           <a:prstGeom prst="rect">
             <a:avLst/>
           </a:prstGeom>
-          <a:noFill/>
         </p:spPr>
-        <p:txBody>
-          <a:bodyPr wrap="square">
-            <a:spAutoFit/>
-          </a:bodyPr>
-          <a:lstStyle/>
-          <a:p>
-            <a:r>
-              <a:rPr lang="en-US" sz="2400" dirty="0">
-                <a:latin typeface="Arial" panose="020B0604020202020204" pitchFamily="34" charset="0"/>
-                <a:cs typeface="Arial" panose="020B0604020202020204" pitchFamily="34" charset="0"/>
-              </a:rPr>
-              <a:t>a</a:t>
-            </a:r>
-          </a:p>
-        </p:txBody>
-      </p:sp>
+      </p:pic>
     </p:spTree>
     <p:extLst>
       <p:ext uri="{BB962C8B-B14F-4D97-AF65-F5344CB8AC3E}">
-        <p14:creationId xmlns:p14="http://schemas.microsoft.com/office/powerpoint/2010/main" val="3624224264"/>
+        <p14:creationId xmlns:p14="http://schemas.microsoft.com/office/powerpoint/2010/main" val="1277592330"/>
       </p:ext>
     </p:extLst>
   </p:cSld>
@@ -7233,6 +7363,916 @@
           <a:chExt cx="0" cy="0"/>
         </a:xfrm>
       </p:grpSpPr>
+      <p:sp>
+        <p:nvSpPr>
+          <p:cNvPr id="2" name="Slide Number Placeholder 1">
+            <a:extLst>
+              <a:ext uri="{FF2B5EF4-FFF2-40B4-BE49-F238E27FC236}">
+                <a16:creationId xmlns:a16="http://schemas.microsoft.com/office/drawing/2014/main" id="{9E9CAB07-B0CD-4712-9734-2D3CBC72598C}"/>
+              </a:ext>
+            </a:extLst>
+          </p:cNvPr>
+          <p:cNvSpPr>
+            <a:spLocks noGrp="1"/>
+          </p:cNvSpPr>
+          <p:nvPr>
+            <p:ph type="sldNum" sz="quarter" idx="12"/>
+          </p:nvPr>
+        </p:nvSpPr>
+        <p:spPr/>
+        <p:txBody>
+          <a:bodyPr/>
+          <a:lstStyle/>
+          <a:p>
+            <a:fld id="{9EA0BE3B-158A-4EDF-80DC-E394A0D1600F}" type="slidenum">
+              <a:rPr lang="en-US" smtClean="0"/>
+              <a:pPr/>
+              <a:t>22</a:t>
+            </a:fld>
+            <a:endParaRPr lang="en-US" dirty="0"/>
+          </a:p>
+        </p:txBody>
+      </p:sp>
+      <p:sp>
+        <p:nvSpPr>
+          <p:cNvPr id="3" name="Title 2">
+            <a:extLst>
+              <a:ext uri="{FF2B5EF4-FFF2-40B4-BE49-F238E27FC236}">
+                <a16:creationId xmlns:a16="http://schemas.microsoft.com/office/drawing/2014/main" id="{F39C6F49-1887-4BE4-A583-FB79B8A22935}"/>
+              </a:ext>
+            </a:extLst>
+          </p:cNvPr>
+          <p:cNvSpPr>
+            <a:spLocks noGrp="1"/>
+          </p:cNvSpPr>
+          <p:nvPr>
+            <p:ph type="title"/>
+          </p:nvPr>
+        </p:nvSpPr>
+        <p:spPr/>
+        <p:txBody>
+          <a:bodyPr/>
+          <a:lstStyle/>
+          <a:p>
+            <a:r>
+              <a:rPr lang="en-US" sz="2400" dirty="0">
+                <a:latin typeface="Arial" panose="020B0604020202020204" pitchFamily="34" charset="0"/>
+                <a:cs typeface="Arial" panose="020B0604020202020204" pitchFamily="34" charset="0"/>
+              </a:rPr>
+              <a:t>Builder pattern</a:t>
+            </a:r>
+          </a:p>
+        </p:txBody>
+      </p:sp>
+      <p:pic>
+        <p:nvPicPr>
+          <p:cNvPr id="5" name="Picture 4" descr="Diagram&#10;&#10;Description automatically generated">
+            <a:extLst>
+              <a:ext uri="{FF2B5EF4-FFF2-40B4-BE49-F238E27FC236}">
+                <a16:creationId xmlns:a16="http://schemas.microsoft.com/office/drawing/2014/main" id="{486DFA21-5352-DFD3-FFDF-F7F61A92F521}"/>
+              </a:ext>
+            </a:extLst>
+          </p:cNvPr>
+          <p:cNvPicPr>
+            <a:picLocks noChangeAspect="1"/>
+          </p:cNvPicPr>
+          <p:nvPr/>
+        </p:nvPicPr>
+        <p:blipFill>
+          <a:blip r:embed="rId2">
+            <a:extLst>
+              <a:ext uri="{28A0092B-C50C-407E-A947-70E740481C1C}">
+                <a14:useLocalDpi xmlns:a14="http://schemas.microsoft.com/office/drawing/2010/main" val="0"/>
+              </a:ext>
+            </a:extLst>
+          </a:blip>
+          <a:stretch>
+            <a:fillRect/>
+          </a:stretch>
+        </p:blipFill>
+        <p:spPr>
+          <a:xfrm>
+            <a:off x="752952" y="1009952"/>
+            <a:ext cx="7638095" cy="4838095"/>
+          </a:xfrm>
+          <a:prstGeom prst="rect">
+            <a:avLst/>
+          </a:prstGeom>
+        </p:spPr>
+      </p:pic>
+    </p:spTree>
+    <p:extLst>
+      <p:ext uri="{BB962C8B-B14F-4D97-AF65-F5344CB8AC3E}">
+        <p14:creationId xmlns:p14="http://schemas.microsoft.com/office/powerpoint/2010/main" val="3364166315"/>
+      </p:ext>
+    </p:extLst>
+  </p:cSld>
+  <p:clrMapOvr>
+    <a:masterClrMapping/>
+  </p:clrMapOvr>
+</p:sld>
+</file>
+
+<file path=ppt/slides/slide24.xml><?xml version="1.0" encoding="utf-8"?>
+<p:sld xmlns:a="http://schemas.openxmlformats.org/drawingml/2006/main" xmlns:r="http://schemas.openxmlformats.org/officeDocument/2006/relationships" xmlns:p="http://schemas.openxmlformats.org/presentationml/2006/main">
+  <p:cSld>
+    <p:spTree>
+      <p:nvGrpSpPr>
+        <p:cNvPr id="1" name=""/>
+        <p:cNvGrpSpPr/>
+        <p:nvPr/>
+      </p:nvGrpSpPr>
+      <p:grpSpPr>
+        <a:xfrm>
+          <a:off x="0" y="0"/>
+          <a:ext cx="0" cy="0"/>
+          <a:chOff x="0" y="0"/>
+          <a:chExt cx="0" cy="0"/>
+        </a:xfrm>
+      </p:grpSpPr>
+      <p:pic>
+        <p:nvPicPr>
+          <p:cNvPr id="8" name="Picture 7" descr="Diagram&#10;&#10;Description automatically generated">
+            <a:extLst>
+              <a:ext uri="{FF2B5EF4-FFF2-40B4-BE49-F238E27FC236}">
+                <a16:creationId xmlns:a16="http://schemas.microsoft.com/office/drawing/2014/main" id="{A4042F71-3A4F-EE2A-E888-D61C0778032D}"/>
+              </a:ext>
+            </a:extLst>
+          </p:cNvPr>
+          <p:cNvPicPr>
+            <a:picLocks noChangeAspect="1"/>
+          </p:cNvPicPr>
+          <p:nvPr/>
+        </p:nvPicPr>
+        <p:blipFill>
+          <a:blip r:embed="rId2">
+            <a:extLst>
+              <a:ext uri="{28A0092B-C50C-407E-A947-70E740481C1C}">
+                <a14:useLocalDpi xmlns:a14="http://schemas.microsoft.com/office/drawing/2010/main" val="0"/>
+              </a:ext>
+            </a:extLst>
+          </a:blip>
+          <a:stretch>
+            <a:fillRect/>
+          </a:stretch>
+        </p:blipFill>
+        <p:spPr>
+          <a:xfrm>
+            <a:off x="5173455" y="1676557"/>
+            <a:ext cx="3970545" cy="3206162"/>
+          </a:xfrm>
+          <a:prstGeom prst="rect">
+            <a:avLst/>
+          </a:prstGeom>
+        </p:spPr>
+      </p:pic>
+      <p:sp>
+        <p:nvSpPr>
+          <p:cNvPr id="2" name="Slide Number Placeholder 1">
+            <a:extLst>
+              <a:ext uri="{FF2B5EF4-FFF2-40B4-BE49-F238E27FC236}">
+                <a16:creationId xmlns:a16="http://schemas.microsoft.com/office/drawing/2014/main" id="{9E9CAB07-B0CD-4712-9734-2D3CBC72598C}"/>
+              </a:ext>
+            </a:extLst>
+          </p:cNvPr>
+          <p:cNvSpPr>
+            <a:spLocks noGrp="1"/>
+          </p:cNvSpPr>
+          <p:nvPr>
+            <p:ph type="sldNum" sz="quarter" idx="12"/>
+          </p:nvPr>
+        </p:nvSpPr>
+        <p:spPr/>
+        <p:txBody>
+          <a:bodyPr/>
+          <a:lstStyle/>
+          <a:p>
+            <a:fld id="{9EA0BE3B-158A-4EDF-80DC-E394A0D1600F}" type="slidenum">
+              <a:rPr lang="en-US" smtClean="0"/>
+              <a:pPr/>
+              <a:t>23</a:t>
+            </a:fld>
+            <a:endParaRPr lang="en-US" dirty="0"/>
+          </a:p>
+        </p:txBody>
+      </p:sp>
+      <p:sp>
+        <p:nvSpPr>
+          <p:cNvPr id="3" name="Title 2">
+            <a:extLst>
+              <a:ext uri="{FF2B5EF4-FFF2-40B4-BE49-F238E27FC236}">
+                <a16:creationId xmlns:a16="http://schemas.microsoft.com/office/drawing/2014/main" id="{F39C6F49-1887-4BE4-A583-FB79B8A22935}"/>
+              </a:ext>
+            </a:extLst>
+          </p:cNvPr>
+          <p:cNvSpPr>
+            <a:spLocks noGrp="1"/>
+          </p:cNvSpPr>
+          <p:nvPr>
+            <p:ph type="title"/>
+          </p:nvPr>
+        </p:nvSpPr>
+        <p:spPr/>
+        <p:txBody>
+          <a:bodyPr/>
+          <a:lstStyle/>
+          <a:p>
+            <a:r>
+              <a:rPr lang="en-US" sz="2400" dirty="0">
+                <a:latin typeface="Arial" panose="020B0604020202020204" pitchFamily="34" charset="0"/>
+                <a:cs typeface="Arial" panose="020B0604020202020204" pitchFamily="34" charset="0"/>
+              </a:rPr>
+              <a:t>Factory pattern</a:t>
+            </a:r>
+          </a:p>
+        </p:txBody>
+      </p:sp>
+      <p:pic>
+        <p:nvPicPr>
+          <p:cNvPr id="6" name="Picture 5">
+            <a:extLst>
+              <a:ext uri="{FF2B5EF4-FFF2-40B4-BE49-F238E27FC236}">
+                <a16:creationId xmlns:a16="http://schemas.microsoft.com/office/drawing/2014/main" id="{BB2F3497-CCB4-B4C9-4748-122C52462A5C}"/>
+              </a:ext>
+            </a:extLst>
+          </p:cNvPr>
+          <p:cNvPicPr>
+            <a:picLocks noChangeAspect="1"/>
+          </p:cNvPicPr>
+          <p:nvPr/>
+        </p:nvPicPr>
+        <p:blipFill>
+          <a:blip r:embed="rId3"/>
+          <a:stretch>
+            <a:fillRect/>
+          </a:stretch>
+        </p:blipFill>
+        <p:spPr>
+          <a:xfrm>
+            <a:off x="235077" y="1676557"/>
+            <a:ext cx="4841826" cy="3206162"/>
+          </a:xfrm>
+          <a:prstGeom prst="rect">
+            <a:avLst/>
+          </a:prstGeom>
+        </p:spPr>
+      </p:pic>
+    </p:spTree>
+    <p:extLst>
+      <p:ext uri="{BB962C8B-B14F-4D97-AF65-F5344CB8AC3E}">
+        <p14:creationId xmlns:p14="http://schemas.microsoft.com/office/powerpoint/2010/main" val="4033228095"/>
+      </p:ext>
+    </p:extLst>
+  </p:cSld>
+  <p:clrMapOvr>
+    <a:masterClrMapping/>
+  </p:clrMapOvr>
+</p:sld>
+</file>
+
+<file path=ppt/slides/slide25.xml><?xml version="1.0" encoding="utf-8"?>
+<p:sld xmlns:a="http://schemas.openxmlformats.org/drawingml/2006/main" xmlns:r="http://schemas.openxmlformats.org/officeDocument/2006/relationships" xmlns:p="http://schemas.openxmlformats.org/presentationml/2006/main">
+  <p:cSld>
+    <p:spTree>
+      <p:nvGrpSpPr>
+        <p:cNvPr id="1" name=""/>
+        <p:cNvGrpSpPr/>
+        <p:nvPr/>
+      </p:nvGrpSpPr>
+      <p:grpSpPr>
+        <a:xfrm>
+          <a:off x="0" y="0"/>
+          <a:ext cx="0" cy="0"/>
+          <a:chOff x="0" y="0"/>
+          <a:chExt cx="0" cy="0"/>
+        </a:xfrm>
+      </p:grpSpPr>
+      <p:sp>
+        <p:nvSpPr>
+          <p:cNvPr id="2" name="Title 1">
+            <a:extLst>
+              <a:ext uri="{FF2B5EF4-FFF2-40B4-BE49-F238E27FC236}">
+                <a16:creationId xmlns:a16="http://schemas.microsoft.com/office/drawing/2014/main" id="{66CA7ECF-1792-4255-AF79-1338056A166B}"/>
+              </a:ext>
+            </a:extLst>
+          </p:cNvPr>
+          <p:cNvSpPr>
+            <a:spLocks noGrp="1"/>
+          </p:cNvSpPr>
+          <p:nvPr>
+            <p:ph type="title"/>
+          </p:nvPr>
+        </p:nvSpPr>
+        <p:spPr/>
+        <p:txBody>
+          <a:bodyPr/>
+          <a:lstStyle/>
+          <a:p>
+            <a:r>
+              <a:rPr lang="en-US" sz="3200" dirty="0" err="1">
+                <a:solidFill>
+                  <a:srgbClr val="C00000"/>
+                </a:solidFill>
+                <a:latin typeface="Arial" panose="020B0604020202020204" pitchFamily="34" charset="0"/>
+                <a:cs typeface="Arial" panose="020B0604020202020204" pitchFamily="34" charset="0"/>
+              </a:rPr>
+              <a:t>Mục</a:t>
+            </a:r>
+            <a:r>
+              <a:rPr lang="en-US" sz="3200" dirty="0">
+                <a:solidFill>
+                  <a:srgbClr val="C00000"/>
+                </a:solidFill>
+                <a:latin typeface="Arial" panose="020B0604020202020204" pitchFamily="34" charset="0"/>
+                <a:cs typeface="Arial" panose="020B0604020202020204" pitchFamily="34" charset="0"/>
+              </a:rPr>
+              <a:t> </a:t>
+            </a:r>
+            <a:r>
+              <a:rPr lang="en-US" sz="3200" dirty="0" err="1">
+                <a:solidFill>
+                  <a:srgbClr val="C00000"/>
+                </a:solidFill>
+                <a:latin typeface="Arial" panose="020B0604020202020204" pitchFamily="34" charset="0"/>
+                <a:cs typeface="Arial" panose="020B0604020202020204" pitchFamily="34" charset="0"/>
+              </a:rPr>
+              <a:t>lục</a:t>
+            </a:r>
+            <a:endParaRPr lang="en-US" sz="3200" dirty="0">
+              <a:solidFill>
+                <a:srgbClr val="C00000"/>
+              </a:solidFill>
+              <a:latin typeface="Arial" panose="020B0604020202020204" pitchFamily="34" charset="0"/>
+              <a:cs typeface="Arial" panose="020B0604020202020204" pitchFamily="34" charset="0"/>
+            </a:endParaRPr>
+          </a:p>
+        </p:txBody>
+      </p:sp>
+      <p:sp>
+        <p:nvSpPr>
+          <p:cNvPr id="3" name="Text Placeholder 2">
+            <a:extLst>
+              <a:ext uri="{FF2B5EF4-FFF2-40B4-BE49-F238E27FC236}">
+                <a16:creationId xmlns:a16="http://schemas.microsoft.com/office/drawing/2014/main" id="{387A365B-2C63-46A3-AD64-BA52831BEC40}"/>
+              </a:ext>
+            </a:extLst>
+          </p:cNvPr>
+          <p:cNvSpPr>
+            <a:spLocks noGrp="1"/>
+          </p:cNvSpPr>
+          <p:nvPr>
+            <p:ph type="body" sz="quarter" idx="13"/>
+          </p:nvPr>
+        </p:nvSpPr>
+        <p:spPr/>
+        <p:txBody>
+          <a:bodyPr/>
+          <a:lstStyle/>
+          <a:p>
+            <a:pPr marL="514350" indent="-514350">
+              <a:lnSpc>
+                <a:spcPct val="150000"/>
+              </a:lnSpc>
+              <a:buAutoNum type="arabicPeriod"/>
+            </a:pPr>
+            <a:r>
+              <a:rPr lang="en-US" dirty="0" err="1">
+                <a:solidFill>
+                  <a:schemeClr val="bg1">
+                    <a:lumMod val="85000"/>
+                  </a:schemeClr>
+                </a:solidFill>
+                <a:latin typeface="Arial" panose="020B0604020202020204" pitchFamily="34" charset="0"/>
+                <a:cs typeface="Arial" panose="020B0604020202020204" pitchFamily="34" charset="0"/>
+              </a:rPr>
+              <a:t>Phân</a:t>
+            </a:r>
+            <a:r>
+              <a:rPr lang="en-US" dirty="0">
+                <a:solidFill>
+                  <a:schemeClr val="bg1">
+                    <a:lumMod val="85000"/>
+                  </a:schemeClr>
+                </a:solidFill>
+                <a:latin typeface="Arial" panose="020B0604020202020204" pitchFamily="34" charset="0"/>
+                <a:cs typeface="Arial" panose="020B0604020202020204" pitchFamily="34" charset="0"/>
+              </a:rPr>
+              <a:t> </a:t>
+            </a:r>
+            <a:r>
+              <a:rPr lang="en-US" dirty="0" err="1">
+                <a:solidFill>
+                  <a:schemeClr val="bg1">
+                    <a:lumMod val="85000"/>
+                  </a:schemeClr>
+                </a:solidFill>
+                <a:latin typeface="Arial" panose="020B0604020202020204" pitchFamily="34" charset="0"/>
+                <a:cs typeface="Arial" panose="020B0604020202020204" pitchFamily="34" charset="0"/>
+              </a:rPr>
+              <a:t>tích</a:t>
+            </a:r>
+            <a:r>
+              <a:rPr lang="en-US" dirty="0">
+                <a:solidFill>
+                  <a:schemeClr val="bg1">
+                    <a:lumMod val="85000"/>
+                  </a:schemeClr>
+                </a:solidFill>
+                <a:latin typeface="Arial" panose="020B0604020202020204" pitchFamily="34" charset="0"/>
+                <a:cs typeface="Arial" panose="020B0604020202020204" pitchFamily="34" charset="0"/>
+              </a:rPr>
+              <a:t> </a:t>
+            </a:r>
+            <a:r>
+              <a:rPr lang="en-US" dirty="0" err="1">
+                <a:solidFill>
+                  <a:schemeClr val="bg1">
+                    <a:lumMod val="85000"/>
+                  </a:schemeClr>
+                </a:solidFill>
+                <a:latin typeface="Arial" panose="020B0604020202020204" pitchFamily="34" charset="0"/>
+                <a:cs typeface="Arial" panose="020B0604020202020204" pitchFamily="34" charset="0"/>
+              </a:rPr>
+              <a:t>yêu</a:t>
+            </a:r>
+            <a:r>
+              <a:rPr lang="en-US" dirty="0">
+                <a:solidFill>
+                  <a:schemeClr val="bg1">
+                    <a:lumMod val="85000"/>
+                  </a:schemeClr>
+                </a:solidFill>
+                <a:latin typeface="Arial" panose="020B0604020202020204" pitchFamily="34" charset="0"/>
+                <a:cs typeface="Arial" panose="020B0604020202020204" pitchFamily="34" charset="0"/>
+              </a:rPr>
+              <a:t> </a:t>
+            </a:r>
+            <a:r>
+              <a:rPr lang="en-US" dirty="0" err="1">
+                <a:solidFill>
+                  <a:schemeClr val="bg1">
+                    <a:lumMod val="85000"/>
+                  </a:schemeClr>
+                </a:solidFill>
+                <a:latin typeface="Arial" panose="020B0604020202020204" pitchFamily="34" charset="0"/>
+                <a:cs typeface="Arial" panose="020B0604020202020204" pitchFamily="34" charset="0"/>
+              </a:rPr>
+              <a:t>cầu</a:t>
+            </a:r>
+            <a:endParaRPr lang="en-US" dirty="0">
+              <a:solidFill>
+                <a:schemeClr val="bg1">
+                  <a:lumMod val="85000"/>
+                </a:schemeClr>
+              </a:solidFill>
+              <a:latin typeface="Arial" panose="020B0604020202020204" pitchFamily="34" charset="0"/>
+              <a:cs typeface="Arial" panose="020B0604020202020204" pitchFamily="34" charset="0"/>
+            </a:endParaRPr>
+          </a:p>
+          <a:p>
+            <a:pPr marL="514350" indent="-514350">
+              <a:lnSpc>
+                <a:spcPct val="150000"/>
+              </a:lnSpc>
+              <a:buAutoNum type="arabicPeriod"/>
+            </a:pPr>
+            <a:r>
+              <a:rPr lang="en-US" dirty="0" err="1">
+                <a:solidFill>
+                  <a:schemeClr val="bg1">
+                    <a:lumMod val="85000"/>
+                  </a:schemeClr>
+                </a:solidFill>
+                <a:latin typeface="Arial" panose="020B0604020202020204" pitchFamily="34" charset="0"/>
+                <a:cs typeface="Arial" panose="020B0604020202020204" pitchFamily="34" charset="0"/>
+              </a:rPr>
+              <a:t>Thiết</a:t>
+            </a:r>
+            <a:r>
+              <a:rPr lang="en-US" dirty="0">
+                <a:solidFill>
+                  <a:schemeClr val="bg1">
+                    <a:lumMod val="85000"/>
+                  </a:schemeClr>
+                </a:solidFill>
+                <a:latin typeface="Arial" panose="020B0604020202020204" pitchFamily="34" charset="0"/>
+                <a:cs typeface="Arial" panose="020B0604020202020204" pitchFamily="34" charset="0"/>
+              </a:rPr>
+              <a:t> </a:t>
+            </a:r>
+            <a:r>
+              <a:rPr lang="en-US" dirty="0" err="1">
+                <a:solidFill>
+                  <a:schemeClr val="bg1">
+                    <a:lumMod val="85000"/>
+                  </a:schemeClr>
+                </a:solidFill>
+                <a:latin typeface="Arial" panose="020B0604020202020204" pitchFamily="34" charset="0"/>
+                <a:cs typeface="Arial" panose="020B0604020202020204" pitchFamily="34" charset="0"/>
+              </a:rPr>
+              <a:t>kế</a:t>
+            </a:r>
+            <a:endParaRPr lang="en-US" dirty="0">
+              <a:solidFill>
+                <a:schemeClr val="bg1">
+                  <a:lumMod val="85000"/>
+                </a:schemeClr>
+              </a:solidFill>
+              <a:latin typeface="Arial" panose="020B0604020202020204" pitchFamily="34" charset="0"/>
+              <a:cs typeface="Arial" panose="020B0604020202020204" pitchFamily="34" charset="0"/>
+            </a:endParaRPr>
+          </a:p>
+          <a:p>
+            <a:pPr marL="514350" indent="-514350">
+              <a:lnSpc>
+                <a:spcPct val="150000"/>
+              </a:lnSpc>
+              <a:buAutoNum type="arabicPeriod"/>
+            </a:pPr>
+            <a:r>
+              <a:rPr lang="en-US" dirty="0" err="1">
+                <a:solidFill>
+                  <a:schemeClr val="bg1">
+                    <a:lumMod val="85000"/>
+                  </a:schemeClr>
+                </a:solidFill>
+                <a:latin typeface="Arial" panose="020B0604020202020204" pitchFamily="34" charset="0"/>
+                <a:cs typeface="Arial" panose="020B0604020202020204" pitchFamily="34" charset="0"/>
+              </a:rPr>
+              <a:t>Phân</a:t>
+            </a:r>
+            <a:r>
+              <a:rPr lang="en-US" dirty="0">
+                <a:solidFill>
+                  <a:schemeClr val="bg1">
+                    <a:lumMod val="85000"/>
+                  </a:schemeClr>
+                </a:solidFill>
+                <a:latin typeface="Arial" panose="020B0604020202020204" pitchFamily="34" charset="0"/>
+                <a:cs typeface="Arial" panose="020B0604020202020204" pitchFamily="34" charset="0"/>
+              </a:rPr>
+              <a:t> </a:t>
+            </a:r>
+            <a:r>
+              <a:rPr lang="en-US" dirty="0" err="1">
+                <a:solidFill>
+                  <a:schemeClr val="bg1">
+                    <a:lumMod val="85000"/>
+                  </a:schemeClr>
+                </a:solidFill>
+                <a:latin typeface="Arial" panose="020B0604020202020204" pitchFamily="34" charset="0"/>
+                <a:cs typeface="Arial" panose="020B0604020202020204" pitchFamily="34" charset="0"/>
+              </a:rPr>
+              <a:t>tích</a:t>
+            </a:r>
+            <a:r>
+              <a:rPr lang="en-US" dirty="0">
+                <a:solidFill>
+                  <a:schemeClr val="bg1">
+                    <a:lumMod val="85000"/>
+                  </a:schemeClr>
+                </a:solidFill>
+                <a:latin typeface="Arial" panose="020B0604020202020204" pitchFamily="34" charset="0"/>
+                <a:cs typeface="Arial" panose="020B0604020202020204" pitchFamily="34" charset="0"/>
+              </a:rPr>
+              <a:t> </a:t>
+            </a:r>
+            <a:r>
+              <a:rPr lang="en-US" dirty="0" err="1">
+                <a:solidFill>
+                  <a:schemeClr val="bg1">
+                    <a:lumMod val="85000"/>
+                  </a:schemeClr>
+                </a:solidFill>
+                <a:latin typeface="Arial" panose="020B0604020202020204" pitchFamily="34" charset="0"/>
+                <a:cs typeface="Arial" panose="020B0604020202020204" pitchFamily="34" charset="0"/>
+              </a:rPr>
+              <a:t>thiết</a:t>
+            </a:r>
+            <a:r>
+              <a:rPr lang="en-US" dirty="0">
+                <a:solidFill>
+                  <a:schemeClr val="bg1">
+                    <a:lumMod val="85000"/>
+                  </a:schemeClr>
+                </a:solidFill>
+                <a:latin typeface="Arial" panose="020B0604020202020204" pitchFamily="34" charset="0"/>
+                <a:cs typeface="Arial" panose="020B0604020202020204" pitchFamily="34" charset="0"/>
+              </a:rPr>
+              <a:t> </a:t>
+            </a:r>
+            <a:r>
+              <a:rPr lang="en-US" dirty="0" err="1">
+                <a:solidFill>
+                  <a:schemeClr val="bg1">
+                    <a:lumMod val="85000"/>
+                  </a:schemeClr>
+                </a:solidFill>
+                <a:latin typeface="Arial" panose="020B0604020202020204" pitchFamily="34" charset="0"/>
+                <a:cs typeface="Arial" panose="020B0604020202020204" pitchFamily="34" charset="0"/>
+              </a:rPr>
+              <a:t>kế</a:t>
+            </a:r>
+            <a:endParaRPr lang="en-US" dirty="0">
+              <a:solidFill>
+                <a:schemeClr val="bg1">
+                  <a:lumMod val="85000"/>
+                </a:schemeClr>
+              </a:solidFill>
+              <a:latin typeface="Arial" panose="020B0604020202020204" pitchFamily="34" charset="0"/>
+              <a:cs typeface="Arial" panose="020B0604020202020204" pitchFamily="34" charset="0"/>
+            </a:endParaRPr>
+          </a:p>
+          <a:p>
+            <a:pPr marL="514350" indent="-514350">
+              <a:lnSpc>
+                <a:spcPct val="150000"/>
+              </a:lnSpc>
+              <a:buAutoNum type="arabicPeriod"/>
+            </a:pPr>
+            <a:r>
+              <a:rPr lang="en-US" dirty="0" err="1">
+                <a:latin typeface="Arial" panose="020B0604020202020204" pitchFamily="34" charset="0"/>
+                <a:cs typeface="Arial" panose="020B0604020202020204" pitchFamily="34" charset="0"/>
+              </a:rPr>
+              <a:t>Xây</a:t>
+            </a:r>
+            <a:r>
+              <a:rPr lang="en-US" dirty="0">
+                <a:latin typeface="Arial" panose="020B0604020202020204" pitchFamily="34" charset="0"/>
+                <a:cs typeface="Arial" panose="020B0604020202020204" pitchFamily="34" charset="0"/>
+              </a:rPr>
+              <a:t> </a:t>
+            </a:r>
+            <a:r>
+              <a:rPr lang="en-US" dirty="0" err="1">
+                <a:latin typeface="Arial" panose="020B0604020202020204" pitchFamily="34" charset="0"/>
+                <a:cs typeface="Arial" panose="020B0604020202020204" pitchFamily="34" charset="0"/>
+              </a:rPr>
+              <a:t>dựng</a:t>
+            </a:r>
+            <a:r>
+              <a:rPr lang="en-US" dirty="0">
+                <a:latin typeface="Arial" panose="020B0604020202020204" pitchFamily="34" charset="0"/>
+                <a:cs typeface="Arial" panose="020B0604020202020204" pitchFamily="34" charset="0"/>
+              </a:rPr>
+              <a:t> </a:t>
+            </a:r>
+            <a:r>
+              <a:rPr lang="en-US" dirty="0" err="1">
+                <a:latin typeface="Arial" panose="020B0604020202020204" pitchFamily="34" charset="0"/>
+                <a:cs typeface="Arial" panose="020B0604020202020204" pitchFamily="34" charset="0"/>
+              </a:rPr>
+              <a:t>phần</a:t>
+            </a:r>
+            <a:r>
+              <a:rPr lang="en-US" dirty="0">
+                <a:latin typeface="Arial" panose="020B0604020202020204" pitchFamily="34" charset="0"/>
+                <a:cs typeface="Arial" panose="020B0604020202020204" pitchFamily="34" charset="0"/>
+              </a:rPr>
+              <a:t> </a:t>
+            </a:r>
+            <a:r>
+              <a:rPr lang="en-US" dirty="0" err="1">
+                <a:latin typeface="Arial" panose="020B0604020202020204" pitchFamily="34" charset="0"/>
+                <a:cs typeface="Arial" panose="020B0604020202020204" pitchFamily="34" charset="0"/>
+              </a:rPr>
+              <a:t>mềm</a:t>
+            </a:r>
+            <a:endParaRPr lang="en-US" dirty="0">
+              <a:latin typeface="Arial" panose="020B0604020202020204" pitchFamily="34" charset="0"/>
+              <a:cs typeface="Arial" panose="020B0604020202020204" pitchFamily="34" charset="0"/>
+            </a:endParaRPr>
+          </a:p>
+          <a:p>
+            <a:pPr marL="514350" indent="-514350">
+              <a:lnSpc>
+                <a:spcPct val="150000"/>
+              </a:lnSpc>
+              <a:buAutoNum type="arabicPeriod"/>
+            </a:pPr>
+            <a:r>
+              <a:rPr lang="en-US" dirty="0">
+                <a:solidFill>
+                  <a:schemeClr val="bg1">
+                    <a:lumMod val="85000"/>
+                  </a:schemeClr>
+                </a:solidFill>
+                <a:latin typeface="Arial" panose="020B0604020202020204" pitchFamily="34" charset="0"/>
+                <a:cs typeface="Arial" panose="020B0604020202020204" pitchFamily="34" charset="0"/>
+              </a:rPr>
+              <a:t>Demo</a:t>
+            </a:r>
+          </a:p>
+        </p:txBody>
+      </p:sp>
+      <p:sp>
+        <p:nvSpPr>
+          <p:cNvPr id="4" name="Slide Number Placeholder 3">
+            <a:extLst>
+              <a:ext uri="{FF2B5EF4-FFF2-40B4-BE49-F238E27FC236}">
+                <a16:creationId xmlns:a16="http://schemas.microsoft.com/office/drawing/2014/main" id="{FB67697B-E2F6-452F-B4AF-9444ACC6F580}"/>
+              </a:ext>
+            </a:extLst>
+          </p:cNvPr>
+          <p:cNvSpPr>
+            <a:spLocks noGrp="1"/>
+          </p:cNvSpPr>
+          <p:nvPr>
+            <p:ph type="sldNum" sz="quarter" idx="12"/>
+          </p:nvPr>
+        </p:nvSpPr>
+        <p:spPr/>
+        <p:txBody>
+          <a:bodyPr/>
+          <a:lstStyle/>
+          <a:p>
+            <a:fld id="{9EA0BE3B-158A-4EDF-80DC-E394A0D1600F}" type="slidenum">
+              <a:rPr lang="en-US" smtClean="0"/>
+              <a:pPr/>
+              <a:t>24</a:t>
+            </a:fld>
+            <a:endParaRPr lang="en-US" dirty="0"/>
+          </a:p>
+        </p:txBody>
+      </p:sp>
+    </p:spTree>
+    <p:extLst>
+      <p:ext uri="{BB962C8B-B14F-4D97-AF65-F5344CB8AC3E}">
+        <p14:creationId xmlns:p14="http://schemas.microsoft.com/office/powerpoint/2010/main" val="3034788845"/>
+      </p:ext>
+    </p:extLst>
+  </p:cSld>
+  <p:clrMapOvr>
+    <a:masterClrMapping/>
+  </p:clrMapOvr>
+</p:sld>
+</file>
+
+<file path=ppt/slides/slide26.xml><?xml version="1.0" encoding="utf-8"?>
+<p:sld xmlns:a="http://schemas.openxmlformats.org/drawingml/2006/main" xmlns:r="http://schemas.openxmlformats.org/officeDocument/2006/relationships" xmlns:p="http://schemas.openxmlformats.org/presentationml/2006/main">
+  <p:cSld>
+    <p:spTree>
+      <p:nvGrpSpPr>
+        <p:cNvPr id="1" name=""/>
+        <p:cNvGrpSpPr/>
+        <p:nvPr/>
+      </p:nvGrpSpPr>
+      <p:grpSpPr>
+        <a:xfrm>
+          <a:off x="0" y="0"/>
+          <a:ext cx="0" cy="0"/>
+          <a:chOff x="0" y="0"/>
+          <a:chExt cx="0" cy="0"/>
+        </a:xfrm>
+      </p:grpSpPr>
+      <p:sp>
+        <p:nvSpPr>
+          <p:cNvPr id="2" name="Slide Number Placeholder 1">
+            <a:extLst>
+              <a:ext uri="{FF2B5EF4-FFF2-40B4-BE49-F238E27FC236}">
+                <a16:creationId xmlns:a16="http://schemas.microsoft.com/office/drawing/2014/main" id="{9E9CAB07-B0CD-4712-9734-2D3CBC72598C}"/>
+              </a:ext>
+            </a:extLst>
+          </p:cNvPr>
+          <p:cNvSpPr>
+            <a:spLocks noGrp="1"/>
+          </p:cNvSpPr>
+          <p:nvPr>
+            <p:ph type="sldNum" sz="quarter" idx="12"/>
+          </p:nvPr>
+        </p:nvSpPr>
+        <p:spPr/>
+        <p:txBody>
+          <a:bodyPr/>
+          <a:lstStyle/>
+          <a:p>
+            <a:fld id="{9EA0BE3B-158A-4EDF-80DC-E394A0D1600F}" type="slidenum">
+              <a:rPr lang="en-US" smtClean="0"/>
+              <a:pPr/>
+              <a:t>25</a:t>
+            </a:fld>
+            <a:endParaRPr lang="en-US" dirty="0"/>
+          </a:p>
+        </p:txBody>
+      </p:sp>
+      <p:sp>
+        <p:nvSpPr>
+          <p:cNvPr id="3" name="Title 2">
+            <a:extLst>
+              <a:ext uri="{FF2B5EF4-FFF2-40B4-BE49-F238E27FC236}">
+                <a16:creationId xmlns:a16="http://schemas.microsoft.com/office/drawing/2014/main" id="{F39C6F49-1887-4BE4-A583-FB79B8A22935}"/>
+              </a:ext>
+            </a:extLst>
+          </p:cNvPr>
+          <p:cNvSpPr>
+            <a:spLocks noGrp="1"/>
+          </p:cNvSpPr>
+          <p:nvPr>
+            <p:ph type="title"/>
+          </p:nvPr>
+        </p:nvSpPr>
+        <p:spPr/>
+        <p:txBody>
+          <a:bodyPr/>
+          <a:lstStyle/>
+          <a:p>
+            <a:r>
+              <a:rPr lang="en-US" sz="2400" dirty="0" err="1">
+                <a:latin typeface="Arial" panose="020B0604020202020204" pitchFamily="34" charset="0"/>
+                <a:cs typeface="Arial" panose="020B0604020202020204" pitchFamily="34" charset="0"/>
+              </a:rPr>
+              <a:t>Công</a:t>
+            </a:r>
+            <a:r>
+              <a:rPr lang="en-US" sz="2400" dirty="0">
+                <a:latin typeface="Arial" panose="020B0604020202020204" pitchFamily="34" charset="0"/>
+                <a:cs typeface="Arial" panose="020B0604020202020204" pitchFamily="34" charset="0"/>
+              </a:rPr>
+              <a:t> </a:t>
+            </a:r>
+            <a:r>
+              <a:rPr lang="en-US" sz="2400" dirty="0" err="1">
+                <a:latin typeface="Arial" panose="020B0604020202020204" pitchFamily="34" charset="0"/>
+                <a:cs typeface="Arial" panose="020B0604020202020204" pitchFamily="34" charset="0"/>
+              </a:rPr>
+              <a:t>nghệ</a:t>
+            </a:r>
+            <a:endParaRPr lang="en-US" sz="2400" dirty="0">
+              <a:latin typeface="Arial" panose="020B0604020202020204" pitchFamily="34" charset="0"/>
+              <a:cs typeface="Arial" panose="020B0604020202020204" pitchFamily="34" charset="0"/>
+            </a:endParaRPr>
+          </a:p>
+        </p:txBody>
+      </p:sp>
+      <p:sp>
+        <p:nvSpPr>
+          <p:cNvPr id="4" name="TextBox 3">
+            <a:extLst>
+              <a:ext uri="{FF2B5EF4-FFF2-40B4-BE49-F238E27FC236}">
+                <a16:creationId xmlns:a16="http://schemas.microsoft.com/office/drawing/2014/main" id="{E9840190-7C1E-6EDA-FF69-2CDEFC8778AC}"/>
+              </a:ext>
+            </a:extLst>
+          </p:cNvPr>
+          <p:cNvSpPr txBox="1"/>
+          <p:nvPr/>
+        </p:nvSpPr>
+        <p:spPr>
+          <a:xfrm>
+            <a:off x="235077" y="912583"/>
+            <a:ext cx="3173948" cy="461665"/>
+          </a:xfrm>
+          <a:prstGeom prst="rect">
+            <a:avLst/>
+          </a:prstGeom>
+          <a:noFill/>
+        </p:spPr>
+        <p:txBody>
+          <a:bodyPr wrap="square">
+            <a:spAutoFit/>
+          </a:bodyPr>
+          <a:lstStyle/>
+          <a:p>
+            <a:r>
+              <a:rPr lang="en-US" sz="2400" dirty="0">
+                <a:latin typeface="Arial" panose="020B0604020202020204" pitchFamily="34" charset="0"/>
+                <a:cs typeface="Arial" panose="020B0604020202020204" pitchFamily="34" charset="0"/>
+              </a:rPr>
+              <a:t>a</a:t>
+            </a:r>
+          </a:p>
+        </p:txBody>
+      </p:sp>
+    </p:spTree>
+    <p:extLst>
+      <p:ext uri="{BB962C8B-B14F-4D97-AF65-F5344CB8AC3E}">
+        <p14:creationId xmlns:p14="http://schemas.microsoft.com/office/powerpoint/2010/main" val="3624224264"/>
+      </p:ext>
+    </p:extLst>
+  </p:cSld>
+  <p:clrMapOvr>
+    <a:masterClrMapping/>
+  </p:clrMapOvr>
+</p:sld>
+</file>
+
+<file path=ppt/slides/slide27.xml><?xml version="1.0" encoding="utf-8"?>
+<p:sld xmlns:a="http://schemas.openxmlformats.org/drawingml/2006/main" xmlns:r="http://schemas.openxmlformats.org/officeDocument/2006/relationships" xmlns:p="http://schemas.openxmlformats.org/presentationml/2006/main">
+  <p:cSld>
+    <p:spTree>
+      <p:nvGrpSpPr>
+        <p:cNvPr id="1" name=""/>
+        <p:cNvGrpSpPr/>
+        <p:nvPr/>
+      </p:nvGrpSpPr>
+      <p:grpSpPr>
+        <a:xfrm>
+          <a:off x="0" y="0"/>
+          <a:ext cx="0" cy="0"/>
+          <a:chOff x="0" y="0"/>
+          <a:chExt cx="0" cy="0"/>
+        </a:xfrm>
+      </p:grpSpPr>
       <p:pic>
         <p:nvPicPr>
           <p:cNvPr id="13" name="Picture 12">
@@ -7287,7 +8327,7 @@
             <a:fld id="{9EA0BE3B-158A-4EDF-80DC-E394A0D1600F}" type="slidenum">
               <a:rPr lang="en-US" smtClean="0"/>
               <a:pPr/>
-              <a:t>22</a:t>
+              <a:t>26</a:t>
             </a:fld>
             <a:endParaRPr lang="en-US" dirty="0"/>
           </a:p>
@@ -8278,7 +9318,7 @@
 </p:sld>
 </file>
 
-<file path=ppt/slides/slide24.xml><?xml version="1.0" encoding="utf-8"?>
+<file path=ppt/slides/slide28.xml><?xml version="1.0" encoding="utf-8"?>
 <p:sld xmlns:a="http://schemas.openxmlformats.org/drawingml/2006/main" xmlns:r="http://schemas.openxmlformats.org/officeDocument/2006/relationships" xmlns:p="http://schemas.openxmlformats.org/presentationml/2006/main">
   <p:cSld>
     <p:spTree>
@@ -8773,7 +9813,7 @@
             <a:fld id="{9EA0BE3B-158A-4EDF-80DC-E394A0D1600F}" type="slidenum">
               <a:rPr lang="en-US" smtClean="0"/>
               <a:pPr/>
-              <a:t>23</a:t>
+              <a:t>27</a:t>
             </a:fld>
             <a:endParaRPr lang="en-US" dirty="0"/>
           </a:p>
@@ -8792,7 +9832,7 @@
 </p:sld>
 </file>
 
-<file path=ppt/slides/slide25.xml><?xml version="1.0" encoding="utf-8"?>
+<file path=ppt/slides/slide29.xml><?xml version="1.0" encoding="utf-8"?>
 <p:sld xmlns:a="http://schemas.openxmlformats.org/drawingml/2006/main" xmlns:r="http://schemas.openxmlformats.org/officeDocument/2006/relationships" xmlns:p="http://schemas.openxmlformats.org/presentationml/2006/main">
   <p:cSld>
     <p:spTree>

--- a/Report/Báo cáo bài tập lớn.pptx
+++ b/Report/Báo cáo bài tập lớn.pptx
@@ -5,10 +5,10 @@
     <p:sldMasterId id="2147483658" r:id="rId1"/>
   </p:sldMasterIdLst>
   <p:notesMasterIdLst>
-    <p:notesMasterId r:id="rId31"/>
+    <p:notesMasterId r:id="rId30"/>
   </p:notesMasterIdLst>
   <p:handoutMasterIdLst>
-    <p:handoutMasterId r:id="rId32"/>
+    <p:handoutMasterId r:id="rId31"/>
   </p:handoutMasterIdLst>
   <p:sldIdLst>
     <p:sldId id="256" r:id="rId2"/>
@@ -36,10 +36,9 @@
     <p:sldId id="365" r:id="rId24"/>
     <p:sldId id="366" r:id="rId25"/>
     <p:sldId id="351" r:id="rId26"/>
-    <p:sldId id="353" r:id="rId27"/>
-    <p:sldId id="354" r:id="rId28"/>
-    <p:sldId id="352" r:id="rId29"/>
-    <p:sldId id="269" r:id="rId30"/>
+    <p:sldId id="354" r:id="rId27"/>
+    <p:sldId id="352" r:id="rId28"/>
+    <p:sldId id="269" r:id="rId29"/>
   </p:sldIdLst>
   <p:sldSz cx="9144000" cy="6858000" type="screen4x3"/>
   <p:notesSz cx="6858000" cy="9144000"/>
@@ -240,7 +239,7 @@
           <a:p>
             <a:fld id="{48B45424-6BAC-416C-8F6C-5F9DE854A36B}" type="datetimeFigureOut">
               <a:rPr lang="en-US" smtClean="0"/>
-              <a:t>2/14/2023</a:t>
+              <a:t>2/21/2023</a:t>
             </a:fld>
             <a:endParaRPr lang="en-US"/>
           </a:p>
@@ -418,7 +417,7 @@
           <a:p>
             <a:fld id="{6B733702-C25A-40B9-9167-54BAA79B29B0}" type="datetimeFigureOut">
               <a:rPr lang="en-US" smtClean="0"/>
-              <a:t>2/14/2023</a:t>
+              <a:t>2/21/2023</a:t>
             </a:fld>
             <a:endParaRPr lang="en-US"/>
           </a:p>
@@ -760,7 +759,7 @@
             <a:fld id="{F70EAA40-3A53-4A3D-924A-D38F1059C7D5}" type="datetime1">
               <a:rPr lang="en-US" smtClean="0"/>
               <a:pPr/>
-              <a:t>2/14/2023</a:t>
+              <a:t>2/21/2023</a:t>
             </a:fld>
             <a:endParaRPr lang="en-US"/>
           </a:p>
@@ -1244,7 +1243,7 @@
             <a:fld id="{F70EAA40-3A53-4A3D-924A-D38F1059C7D5}" type="datetime1">
               <a:rPr lang="en-US" smtClean="0"/>
               <a:pPr/>
-              <a:t>2/14/2023</a:t>
+              <a:t>2/21/2023</a:t>
             </a:fld>
             <a:endParaRPr lang="en-US"/>
           </a:p>
@@ -1432,7 +1431,7 @@
             <a:fld id="{F70EAA40-3A53-4A3D-924A-D38F1059C7D5}" type="datetime1">
               <a:rPr lang="en-US" smtClean="0"/>
               <a:pPr/>
-              <a:t>2/14/2023</a:t>
+              <a:t>2/21/2023</a:t>
             </a:fld>
             <a:endParaRPr lang="en-US"/>
           </a:p>
@@ -1727,7 +1726,7 @@
           <a:p>
             <a:fld id="{A0EC2761-52B0-42C5-B01B-DF8F69615AE5}" type="datetimeFigureOut">
               <a:rPr lang="en-US" smtClean="0"/>
-              <a:t>2/14/2023</a:t>
+              <a:t>2/21/2023</a:t>
             </a:fld>
             <a:endParaRPr lang="en-US"/>
           </a:p>
@@ -8126,153 +8125,6 @@
           <a:chExt cx="0" cy="0"/>
         </a:xfrm>
       </p:grpSpPr>
-      <p:sp>
-        <p:nvSpPr>
-          <p:cNvPr id="2" name="Slide Number Placeholder 1">
-            <a:extLst>
-              <a:ext uri="{FF2B5EF4-FFF2-40B4-BE49-F238E27FC236}">
-                <a16:creationId xmlns:a16="http://schemas.microsoft.com/office/drawing/2014/main" id="{9E9CAB07-B0CD-4712-9734-2D3CBC72598C}"/>
-              </a:ext>
-            </a:extLst>
-          </p:cNvPr>
-          <p:cNvSpPr>
-            <a:spLocks noGrp="1"/>
-          </p:cNvSpPr>
-          <p:nvPr>
-            <p:ph type="sldNum" sz="quarter" idx="12"/>
-          </p:nvPr>
-        </p:nvSpPr>
-        <p:spPr/>
-        <p:txBody>
-          <a:bodyPr/>
-          <a:lstStyle/>
-          <a:p>
-            <a:fld id="{9EA0BE3B-158A-4EDF-80DC-E394A0D1600F}" type="slidenum">
-              <a:rPr lang="en-US" smtClean="0"/>
-              <a:pPr/>
-              <a:t>25</a:t>
-            </a:fld>
-            <a:endParaRPr lang="en-US" dirty="0"/>
-          </a:p>
-        </p:txBody>
-      </p:sp>
-      <p:sp>
-        <p:nvSpPr>
-          <p:cNvPr id="3" name="Title 2">
-            <a:extLst>
-              <a:ext uri="{FF2B5EF4-FFF2-40B4-BE49-F238E27FC236}">
-                <a16:creationId xmlns:a16="http://schemas.microsoft.com/office/drawing/2014/main" id="{F39C6F49-1887-4BE4-A583-FB79B8A22935}"/>
-              </a:ext>
-            </a:extLst>
-          </p:cNvPr>
-          <p:cNvSpPr>
-            <a:spLocks noGrp="1"/>
-          </p:cNvSpPr>
-          <p:nvPr>
-            <p:ph type="title"/>
-          </p:nvPr>
-        </p:nvSpPr>
-        <p:spPr/>
-        <p:txBody>
-          <a:bodyPr/>
-          <a:lstStyle/>
-          <a:p>
-            <a:r>
-              <a:rPr lang="en-US" sz="2400" dirty="0" err="1">
-                <a:latin typeface="Arial" panose="020B0604020202020204" pitchFamily="34" charset="0"/>
-                <a:cs typeface="Arial" panose="020B0604020202020204" pitchFamily="34" charset="0"/>
-              </a:rPr>
-              <a:t>Công</a:t>
-            </a:r>
-            <a:r>
-              <a:rPr lang="en-US" sz="2400" dirty="0">
-                <a:latin typeface="Arial" panose="020B0604020202020204" pitchFamily="34" charset="0"/>
-                <a:cs typeface="Arial" panose="020B0604020202020204" pitchFamily="34" charset="0"/>
-              </a:rPr>
-              <a:t> </a:t>
-            </a:r>
-            <a:r>
-              <a:rPr lang="en-US" sz="2400" dirty="0" err="1">
-                <a:latin typeface="Arial" panose="020B0604020202020204" pitchFamily="34" charset="0"/>
-                <a:cs typeface="Arial" panose="020B0604020202020204" pitchFamily="34" charset="0"/>
-              </a:rPr>
-              <a:t>nghệ</a:t>
-            </a:r>
-            <a:endParaRPr lang="en-US" sz="2400" dirty="0">
-              <a:latin typeface="Arial" panose="020B0604020202020204" pitchFamily="34" charset="0"/>
-              <a:cs typeface="Arial" panose="020B0604020202020204" pitchFamily="34" charset="0"/>
-            </a:endParaRPr>
-          </a:p>
-        </p:txBody>
-      </p:sp>
-      <p:sp>
-        <p:nvSpPr>
-          <p:cNvPr id="4" name="TextBox 3">
-            <a:extLst>
-              <a:ext uri="{FF2B5EF4-FFF2-40B4-BE49-F238E27FC236}">
-                <a16:creationId xmlns:a16="http://schemas.microsoft.com/office/drawing/2014/main" id="{E9840190-7C1E-6EDA-FF69-2CDEFC8778AC}"/>
-              </a:ext>
-            </a:extLst>
-          </p:cNvPr>
-          <p:cNvSpPr txBox="1"/>
-          <p:nvPr/>
-        </p:nvSpPr>
-        <p:spPr>
-          <a:xfrm>
-            <a:off x="235077" y="912583"/>
-            <a:ext cx="3173948" cy="461665"/>
-          </a:xfrm>
-          <a:prstGeom prst="rect">
-            <a:avLst/>
-          </a:prstGeom>
-          <a:noFill/>
-        </p:spPr>
-        <p:txBody>
-          <a:bodyPr wrap="square">
-            <a:spAutoFit/>
-          </a:bodyPr>
-          <a:lstStyle/>
-          <a:p>
-            <a:r>
-              <a:rPr lang="en-US" sz="2400" dirty="0">
-                <a:latin typeface="Arial" panose="020B0604020202020204" pitchFamily="34" charset="0"/>
-                <a:cs typeface="Arial" panose="020B0604020202020204" pitchFamily="34" charset="0"/>
-              </a:rPr>
-              <a:t>a</a:t>
-            </a:r>
-          </a:p>
-        </p:txBody>
-      </p:sp>
-    </p:spTree>
-    <p:extLst>
-      <p:ext uri="{BB962C8B-B14F-4D97-AF65-F5344CB8AC3E}">
-        <p14:creationId xmlns:p14="http://schemas.microsoft.com/office/powerpoint/2010/main" val="3624224264"/>
-      </p:ext>
-    </p:extLst>
-  </p:cSld>
-  <p:clrMapOvr>
-    <a:masterClrMapping/>
-  </p:clrMapOvr>
-</p:sld>
-</file>
-
-<file path=ppt/slides/slide27.xml><?xml version="1.0" encoding="utf-8"?>
-<p:sld xmlns:a="http://schemas.openxmlformats.org/drawingml/2006/main" xmlns:r="http://schemas.openxmlformats.org/officeDocument/2006/relationships" xmlns:p="http://schemas.openxmlformats.org/presentationml/2006/main">
-  <p:cSld>
-    <p:spTree>
-      <p:nvGrpSpPr>
-        <p:cNvPr id="1" name=""/>
-        <p:cNvGrpSpPr/>
-        <p:nvPr/>
-      </p:nvGrpSpPr>
-      <p:grpSpPr>
-        <a:xfrm>
-          <a:off x="0" y="0"/>
-          <a:ext cx="0" cy="0"/>
-          <a:chOff x="0" y="0"/>
-          <a:chExt cx="0" cy="0"/>
-        </a:xfrm>
-      </p:grpSpPr>
       <p:pic>
         <p:nvPicPr>
           <p:cNvPr id="13" name="Picture 12">
@@ -8327,7 +8179,7 @@
             <a:fld id="{9EA0BE3B-158A-4EDF-80DC-E394A0D1600F}" type="slidenum">
               <a:rPr lang="en-US" smtClean="0"/>
               <a:pPr/>
-              <a:t>26</a:t>
+              <a:t>25</a:t>
             </a:fld>
             <a:endParaRPr lang="en-US" dirty="0"/>
           </a:p>
@@ -9318,7 +9170,7 @@
 </p:sld>
 </file>
 
-<file path=ppt/slides/slide28.xml><?xml version="1.0" encoding="utf-8"?>
+<file path=ppt/slides/slide27.xml><?xml version="1.0" encoding="utf-8"?>
 <p:sld xmlns:a="http://schemas.openxmlformats.org/drawingml/2006/main" xmlns:r="http://schemas.openxmlformats.org/officeDocument/2006/relationships" xmlns:p="http://schemas.openxmlformats.org/presentationml/2006/main">
   <p:cSld>
     <p:spTree>
@@ -9813,7 +9665,7 @@
             <a:fld id="{9EA0BE3B-158A-4EDF-80DC-E394A0D1600F}" type="slidenum">
               <a:rPr lang="en-US" smtClean="0"/>
               <a:pPr/>
-              <a:t>27</a:t>
+              <a:t>26</a:t>
             </a:fld>
             <a:endParaRPr lang="en-US" dirty="0"/>
           </a:p>
@@ -9832,7 +9684,7 @@
 </p:sld>
 </file>
 
-<file path=ppt/slides/slide29.xml><?xml version="1.0" encoding="utf-8"?>
+<file path=ppt/slides/slide28.xml><?xml version="1.0" encoding="utf-8"?>
 <p:sld xmlns:a="http://schemas.openxmlformats.org/drawingml/2006/main" xmlns:r="http://schemas.openxmlformats.org/officeDocument/2006/relationships" xmlns:p="http://schemas.openxmlformats.org/presentationml/2006/main">
   <p:cSld>
     <p:spTree>
